--- a/육성.pptx
+++ b/육성.pptx
@@ -10,6 +10,9 @@
     <p:sldId id="268" r:id="rId4"/>
     <p:sldId id="269" r:id="rId5"/>
     <p:sldId id="270" r:id="rId6"/>
+    <p:sldId id="271" r:id="rId7"/>
+    <p:sldId id="273" r:id="rId8"/>
+    <p:sldId id="272" r:id="rId9"/>
   </p:sldIdLst>
   <p:sldSz cx="12192000" cy="6858000"/>
   <p:notesSz cx="6858000" cy="9144000"/>
@@ -3380,7 +3383,7 @@
         <p:spPr>
           <a:xfrm>
             <a:off x="574431" y="1003973"/>
-            <a:ext cx="11277258" cy="3139321"/>
+            <a:ext cx="11277258" cy="2862322"/>
           </a:xfrm>
           <a:prstGeom prst="rect">
             <a:avLst/>
@@ -3540,28 +3543,45 @@
             </a:r>
           </a:p>
           <a:p>
-            <a:endParaRPr lang="en-US" altLang="ko-KR" dirty="0"/>
-          </a:p>
-          <a:p>
+            <a:pPr marL="285750" indent="-285750">
+              <a:buFontTx/>
+              <a:buChar char="-"/>
+            </a:pPr>
+            <a:endParaRPr lang="en-US" altLang="ko-KR" dirty="0"/>
+          </a:p>
+          <a:p>
+            <a:pPr marL="285750" indent="-285750">
+              <a:buFontTx/>
+              <a:buChar char="-"/>
+            </a:pPr>
+            <a:r>
+              <a:rPr lang="ko-KR" altLang="en-US" dirty="0"/>
+              <a:t>주인공</a:t>
+            </a:r>
             <a:r>
               <a:rPr lang="en-US" altLang="ko-KR" dirty="0"/>
-              <a:t>- </a:t>
-            </a:r>
-            <a:r>
-              <a:rPr lang="ko-KR" altLang="en-US" dirty="0"/>
-              <a:t>본 </a:t>
+              <a:t>, </a:t>
+            </a:r>
+            <a:r>
+              <a:rPr lang="ko-KR" altLang="en-US" dirty="0"/>
+              <a:t>동료</a:t>
             </a:r>
             <a:r>
               <a:rPr lang="en-US" altLang="ko-KR" dirty="0"/>
-              <a:t>ppt</a:t>
-            </a:r>
-            <a:r>
-              <a:rPr lang="ko-KR" altLang="en-US" dirty="0"/>
-              <a:t>에선 각 요소들의 특징 묘사</a:t>
-            </a:r>
-            <a:endParaRPr lang="en-US" altLang="ko-KR" dirty="0"/>
-          </a:p>
-          <a:p>
+              <a:t>, </a:t>
+            </a:r>
+            <a:r>
+              <a:rPr lang="ko-KR" altLang="en-US" dirty="0"/>
+              <a:t>시설</a:t>
+            </a:r>
+            <a:r>
+              <a:rPr lang="en-US" altLang="ko-KR" dirty="0"/>
+              <a:t>, </a:t>
+            </a:r>
+            <a:r>
+              <a:rPr lang="ko-KR" altLang="en-US" dirty="0"/>
+              <a:t>지원 순</a:t>
+            </a:r>
             <a:endParaRPr lang="en-US" altLang="ko-KR" dirty="0"/>
           </a:p>
         </p:txBody>
@@ -3646,7 +3666,7 @@
         <p:spPr>
           <a:xfrm>
             <a:off x="574431" y="1003973"/>
-            <a:ext cx="6447953" cy="923330"/>
+            <a:ext cx="6447953" cy="1754326"/>
           </a:xfrm>
           <a:prstGeom prst="rect">
             <a:avLst/>
@@ -3697,6 +3717,31 @@
               <a:rPr lang="ko-KR" altLang="en-US" dirty="0"/>
               <a:t>꾸준한 투자 및 회수 가능</a:t>
             </a:r>
+            <a:endParaRPr lang="en-US" altLang="ko-KR" dirty="0"/>
+          </a:p>
+          <a:p>
+            <a:pPr marL="285750" indent="-285750">
+              <a:buFontTx/>
+              <a:buChar char="-"/>
+            </a:pPr>
+            <a:endParaRPr lang="en-US" altLang="ko-KR" dirty="0"/>
+          </a:p>
+          <a:p>
+            <a:pPr marL="285750" indent="-285750">
+              <a:buFontTx/>
+              <a:buChar char="-"/>
+            </a:pPr>
+            <a:r>
+              <a:rPr lang="ko-KR" altLang="en-US" dirty="0"/>
+              <a:t>시설 개선 시 필요한 돈 감소</a:t>
+            </a:r>
+            <a:endParaRPr lang="en-US" altLang="ko-KR" dirty="0"/>
+          </a:p>
+          <a:p>
+            <a:pPr marL="285750" indent="-285750">
+              <a:buFontTx/>
+              <a:buChar char="-"/>
+            </a:pPr>
             <a:endParaRPr lang="en-US" altLang="ko-KR" dirty="0"/>
           </a:p>
           <a:p>
@@ -3788,7 +3833,7 @@
         <p:spPr>
           <a:xfrm>
             <a:off x="574431" y="1003973"/>
-            <a:ext cx="11055317" cy="2862322"/>
+            <a:ext cx="11055317" cy="3139321"/>
           </a:xfrm>
           <a:prstGeom prst="rect">
             <a:avLst/>
@@ -3873,6 +3918,11 @@
               <a:rPr lang="en-US" altLang="ko-KR" dirty="0"/>
               <a:t>= </a:t>
             </a:r>
+            <a:r>
+              <a:rPr lang="ko-KR" altLang="en-US" dirty="0"/>
+              <a:t>수집요소들의 대략적인 특성 공개</a:t>
+            </a:r>
+            <a:endParaRPr lang="en-US" altLang="ko-KR" dirty="0"/>
           </a:p>
           <a:p>
             <a:pPr marL="285750" indent="-285750">
@@ -3894,6 +3944,29 @@
             <a:r>
               <a:rPr lang="ko-KR" altLang="en-US" dirty="0"/>
               <a:t>수치 별 새롭게 사용할 수 있는 선택지 공개</a:t>
+            </a:r>
+            <a:endParaRPr lang="en-US" altLang="ko-KR" dirty="0"/>
+          </a:p>
+          <a:p>
+            <a:pPr marL="285750" indent="-285750">
+              <a:buFontTx/>
+              <a:buChar char="-"/>
+            </a:pPr>
+            <a:r>
+              <a:rPr lang="en-US" altLang="ko-KR" dirty="0"/>
+              <a:t>600 </a:t>
+            </a:r>
+            <a:r>
+              <a:rPr lang="ko-KR" altLang="en-US" dirty="0"/>
+              <a:t>이상 </a:t>
+            </a:r>
+            <a:r>
+              <a:rPr lang="en-US" altLang="ko-KR" dirty="0"/>
+              <a:t>= </a:t>
+            </a:r>
+            <a:r>
+              <a:rPr lang="ko-KR" altLang="en-US" dirty="0"/>
+              <a:t>수집요소들의 정확한 수치 공개</a:t>
             </a:r>
             <a:endParaRPr lang="en-US" altLang="ko-KR" dirty="0"/>
           </a:p>
@@ -4048,7 +4121,7 @@
         <p:spPr>
           <a:xfrm>
             <a:off x="574431" y="1003973"/>
-            <a:ext cx="11055317" cy="2585323"/>
+            <a:ext cx="11055317" cy="3693319"/>
           </a:xfrm>
           <a:prstGeom prst="rect">
             <a:avLst/>
@@ -4094,42 +4167,105 @@
               <a:buFontTx/>
               <a:buChar char="-"/>
             </a:pPr>
+            <a:endParaRPr lang="en-US" altLang="ko-KR" dirty="0"/>
+          </a:p>
+          <a:p>
+            <a:pPr marL="285750" indent="-285750">
+              <a:buFontTx/>
+              <a:buChar char="-"/>
+            </a:pPr>
+            <a:endParaRPr lang="en-US" altLang="ko-KR" dirty="0"/>
+          </a:p>
+          <a:p>
+            <a:pPr marL="285750" indent="-285750">
+              <a:buFontTx/>
+              <a:buChar char="-"/>
+            </a:pPr>
+            <a:r>
+              <a:rPr lang="ko-KR" altLang="en-US" dirty="0"/>
+              <a:t>수치에 따른 확률적 턴 증가</a:t>
+            </a:r>
+            <a:endParaRPr lang="en-US" altLang="ko-KR" dirty="0"/>
+          </a:p>
+          <a:p>
+            <a:pPr marL="285750" indent="-285750">
+              <a:buFontTx/>
+              <a:buChar char="-"/>
+            </a:pPr>
+            <a:r>
+              <a:rPr lang="ko-KR" altLang="en-US" dirty="0"/>
+              <a:t>한 턴을 더 사용할 수 있다</a:t>
+            </a:r>
             <a:r>
               <a:rPr lang="en-US" altLang="ko-KR" dirty="0"/>
-              <a:t> </a:t>
-            </a:r>
-          </a:p>
-          <a:p>
-            <a:pPr marL="285750" indent="-285750">
-              <a:buFontTx/>
-              <a:buChar char="-"/>
-            </a:pPr>
-            <a:endParaRPr lang="en-US" altLang="ko-KR" dirty="0"/>
-          </a:p>
-          <a:p>
-            <a:pPr marL="285750" indent="-285750">
-              <a:buFontTx/>
-              <a:buChar char="-"/>
-            </a:pPr>
-            <a:endParaRPr lang="en-US" altLang="ko-KR" dirty="0"/>
-          </a:p>
-          <a:p>
-            <a:pPr marL="285750" indent="-285750">
-              <a:buFontTx/>
-              <a:buChar char="-"/>
-            </a:pPr>
-            <a:r>
-              <a:rPr lang="ko-KR" altLang="en-US" dirty="0"/>
-              <a:t>수치에 따른 턴 증가</a:t>
-            </a:r>
-            <a:endParaRPr lang="en-US" altLang="ko-KR" dirty="0"/>
-          </a:p>
-          <a:p>
-            <a:pPr marL="285750" indent="-285750">
-              <a:buFontTx/>
-              <a:buChar char="-"/>
-            </a:pPr>
-            <a:endParaRPr lang="en-US" altLang="ko-KR" dirty="0"/>
+              <a:t>. </a:t>
+            </a:r>
+            <a:r>
+              <a:rPr lang="ko-KR" altLang="en-US" dirty="0"/>
+              <a:t>육성 </a:t>
+            </a:r>
+            <a:r>
+              <a:rPr lang="en-US" altLang="ko-KR" dirty="0"/>
+              <a:t>+ </a:t>
+            </a:r>
+            <a:r>
+              <a:rPr lang="ko-KR" altLang="en-US" dirty="0"/>
+              <a:t>전투 등</a:t>
+            </a:r>
+            <a:endParaRPr lang="en-US" altLang="ko-KR" dirty="0"/>
+          </a:p>
+          <a:p>
+            <a:pPr marL="285750" indent="-285750">
+              <a:buFontTx/>
+              <a:buChar char="-"/>
+            </a:pPr>
+            <a:endParaRPr lang="en-US" altLang="ko-KR" dirty="0"/>
+          </a:p>
+          <a:p>
+            <a:pPr marL="285750" indent="-285750">
+              <a:buFontTx/>
+              <a:buChar char="-"/>
+            </a:pPr>
+            <a:r>
+              <a:rPr lang="ko-KR" altLang="en-US" dirty="0"/>
+              <a:t>확률적으로 전투 패배 시 다시 도전 기회</a:t>
+            </a:r>
+            <a:endParaRPr lang="en-US" altLang="ko-KR" dirty="0"/>
+          </a:p>
+          <a:p>
+            <a:pPr marL="285750" indent="-285750">
+              <a:buFontTx/>
+              <a:buChar char="-"/>
+            </a:pPr>
+            <a:endParaRPr lang="en-US" altLang="ko-KR" dirty="0"/>
+          </a:p>
+          <a:p>
+            <a:pPr marL="285750" indent="-285750">
+              <a:buFontTx/>
+              <a:buChar char="-"/>
+            </a:pPr>
+            <a:r>
+              <a:rPr lang="ko-KR" altLang="en-US" dirty="0"/>
+              <a:t>쉬는 턴 마다 수치에 따른 최대 멘탈 회복</a:t>
+            </a:r>
+            <a:r>
+              <a:rPr lang="en-US" altLang="ko-KR" dirty="0"/>
+              <a:t>.</a:t>
+            </a:r>
+          </a:p>
+          <a:p>
+            <a:pPr marL="285750" indent="-285750">
+              <a:buFontTx/>
+              <a:buChar char="-"/>
+            </a:pPr>
+            <a:r>
+              <a:rPr lang="ko-KR" altLang="en-US" dirty="0"/>
+              <a:t>체력 수치의 </a:t>
+            </a:r>
+            <a:r>
+              <a:rPr lang="en-US" altLang="ko-KR" dirty="0"/>
+              <a:t>1/100?</a:t>
+            </a:r>
           </a:p>
           <a:p>
             <a:pPr marL="285750" indent="-285750">
@@ -4227,7 +4363,7 @@
         <p:spPr>
           <a:xfrm>
             <a:off x="574431" y="1003973"/>
-            <a:ext cx="11055317" cy="2031325"/>
+            <a:ext cx="11055317" cy="4524315"/>
           </a:xfrm>
           <a:prstGeom prst="rect">
             <a:avLst/>
@@ -4258,24 +4394,135 @@
               <a:buFontTx/>
               <a:buChar char="-"/>
             </a:pPr>
-            <a:endParaRPr lang="en-US" altLang="ko-KR" dirty="0"/>
-          </a:p>
-          <a:p>
-            <a:pPr marL="285750" indent="-285750">
-              <a:buFontTx/>
-              <a:buChar char="-"/>
-            </a:pPr>
-            <a:endParaRPr lang="en-US" altLang="ko-KR" dirty="0"/>
-          </a:p>
-          <a:p>
-            <a:pPr marL="285750" indent="-285750">
-              <a:buFontTx/>
-              <a:buChar char="-"/>
-            </a:pPr>
-            <a:r>
-              <a:rPr lang="ko-KR" altLang="en-US" dirty="0"/>
-              <a:t>수치에 따른 턴 증가</a:t>
-            </a:r>
+            <a:r>
+              <a:rPr lang="ko-KR" altLang="en-US" dirty="0"/>
+              <a:t>육성에서 </a:t>
+            </a:r>
+            <a:r>
+              <a:rPr lang="en-US" altLang="ko-KR" dirty="0"/>
+              <a:t>2</a:t>
+            </a:r>
+            <a:r>
+              <a:rPr lang="ko-KR" altLang="en-US" dirty="0"/>
+              <a:t>배 터질 확률 증가</a:t>
+            </a:r>
+            <a:r>
+              <a:rPr lang="en-US" altLang="ko-KR" dirty="0"/>
+              <a:t>.</a:t>
+            </a:r>
+          </a:p>
+          <a:p>
+            <a:pPr marL="285750" indent="-285750">
+              <a:buFontTx/>
+              <a:buChar char="-"/>
+            </a:pPr>
+            <a:endParaRPr lang="en-US" altLang="ko-KR" dirty="0"/>
+          </a:p>
+          <a:p>
+            <a:pPr marL="285750" indent="-285750">
+              <a:buFontTx/>
+              <a:buChar char="-"/>
+            </a:pPr>
+            <a:r>
+              <a:rPr lang="ko-KR" altLang="en-US" dirty="0"/>
+              <a:t>전투에서 수집요소 얻을 확률 증가</a:t>
+            </a:r>
+            <a:endParaRPr lang="en-US" altLang="ko-KR" dirty="0"/>
+          </a:p>
+          <a:p>
+            <a:pPr marL="285750" indent="-285750">
+              <a:buFontTx/>
+              <a:buChar char="-"/>
+            </a:pPr>
+            <a:r>
+              <a:rPr lang="ko-KR" altLang="en-US" dirty="0"/>
+              <a:t>전투에서 돈 얻을 확률 증가</a:t>
+            </a:r>
+            <a:r>
+              <a:rPr lang="en-US" altLang="ko-KR" dirty="0"/>
+              <a:t>(</a:t>
+            </a:r>
+            <a:r>
+              <a:rPr lang="ko-KR" altLang="en-US" dirty="0"/>
+              <a:t>아직 돈은 넣을지 말지 모름</a:t>
+            </a:r>
+            <a:r>
+              <a:rPr lang="en-US" altLang="ko-KR" dirty="0"/>
+              <a:t>)</a:t>
+            </a:r>
+          </a:p>
+          <a:p>
+            <a:endParaRPr lang="en-US" altLang="ko-KR" dirty="0"/>
+          </a:p>
+          <a:p>
+            <a:pPr marL="285750" indent="-285750">
+              <a:buFontTx/>
+              <a:buChar char="-"/>
+            </a:pPr>
+            <a:r>
+              <a:rPr lang="ko-KR" altLang="en-US" dirty="0"/>
+              <a:t>게임 패배 조건인 최대 </a:t>
+            </a:r>
+            <a:r>
+              <a:rPr lang="ko-KR" altLang="en-US" dirty="0" err="1"/>
+              <a:t>멘탈의</a:t>
+            </a:r>
+            <a:r>
+              <a:rPr lang="ko-KR" altLang="en-US" dirty="0"/>
+              <a:t> 결정</a:t>
+            </a:r>
+            <a:r>
+              <a:rPr lang="en-US" altLang="ko-KR" dirty="0"/>
+              <a:t>.</a:t>
+            </a:r>
+          </a:p>
+          <a:p>
+            <a:pPr marL="285750" indent="-285750">
+              <a:buFontTx/>
+              <a:buChar char="-"/>
+            </a:pPr>
+            <a:r>
+              <a:rPr lang="ko-KR" altLang="en-US" dirty="0"/>
+              <a:t>명상 수치의 </a:t>
+            </a:r>
+            <a:r>
+              <a:rPr lang="en-US" altLang="ko-KR" dirty="0"/>
+              <a:t>1/10?</a:t>
+            </a:r>
+          </a:p>
+          <a:p>
+            <a:pPr marL="285750" indent="-285750">
+              <a:buFontTx/>
+              <a:buChar char="-"/>
+            </a:pPr>
+            <a:endParaRPr lang="en-US" altLang="ko-KR" dirty="0"/>
+          </a:p>
+          <a:p>
+            <a:pPr marL="285750" indent="-285750">
+              <a:buFontTx/>
+              <a:buChar char="-"/>
+            </a:pPr>
+            <a:endParaRPr lang="en-US" altLang="ko-KR" dirty="0"/>
+          </a:p>
+          <a:p>
+            <a:pPr marL="285750" indent="-285750">
+              <a:buFontTx/>
+              <a:buChar char="-"/>
+            </a:pPr>
+            <a:endParaRPr lang="en-US" altLang="ko-KR" dirty="0"/>
+          </a:p>
+          <a:p>
+            <a:pPr marL="285750" indent="-285750">
+              <a:buFontTx/>
+              <a:buChar char="-"/>
+            </a:pPr>
+            <a:endParaRPr lang="en-US" altLang="ko-KR" dirty="0"/>
+          </a:p>
+          <a:p>
+            <a:pPr marL="285750" indent="-285750">
+              <a:buFontTx/>
+              <a:buChar char="-"/>
+            </a:pPr>
             <a:endParaRPr lang="en-US" altLang="ko-KR" dirty="0"/>
           </a:p>
           <a:p>
@@ -4305,6 +4552,461 @@
     <p:extLst>
       <p:ext uri="{BB962C8B-B14F-4D97-AF65-F5344CB8AC3E}">
         <p14:creationId xmlns:p14="http://schemas.microsoft.com/office/powerpoint/2010/main" val="2699134039"/>
+      </p:ext>
+    </p:extLst>
+  </p:cSld>
+  <p:clrMapOvr>
+    <a:masterClrMapping/>
+  </p:clrMapOvr>
+</p:sld>
+</file>
+
+<file path=ppt/slides/slide6.xml><?xml version="1.0" encoding="utf-8"?>
+<p:sld xmlns:a="http://schemas.openxmlformats.org/drawingml/2006/main" xmlns:r="http://schemas.openxmlformats.org/officeDocument/2006/relationships" xmlns:p="http://schemas.openxmlformats.org/presentationml/2006/main">
+  <p:cSld>
+    <p:spTree>
+      <p:nvGrpSpPr>
+        <p:cNvPr id="1" name=""/>
+        <p:cNvGrpSpPr/>
+        <p:nvPr/>
+      </p:nvGrpSpPr>
+      <p:grpSpPr>
+        <a:xfrm>
+          <a:off x="0" y="0"/>
+          <a:ext cx="0" cy="0"/>
+          <a:chOff x="0" y="0"/>
+          <a:chExt cx="0" cy="0"/>
+        </a:xfrm>
+      </p:grpSpPr>
+      <p:sp>
+        <p:nvSpPr>
+          <p:cNvPr id="9" name="TextBox 8">
+            <a:extLst>
+              <a:ext uri="{FF2B5EF4-FFF2-40B4-BE49-F238E27FC236}">
+                <a16:creationId xmlns:a16="http://schemas.microsoft.com/office/drawing/2014/main" id="{7C3AEEB5-635B-CC9E-A34E-9221454EB919}"/>
+              </a:ext>
+            </a:extLst>
+          </p:cNvPr>
+          <p:cNvSpPr txBox="1"/>
+          <p:nvPr/>
+        </p:nvSpPr>
+        <p:spPr>
+          <a:xfrm>
+            <a:off x="574431" y="439615"/>
+            <a:ext cx="646331" cy="369332"/>
+          </a:xfrm>
+          <a:prstGeom prst="rect">
+            <a:avLst/>
+          </a:prstGeom>
+          <a:noFill/>
+        </p:spPr>
+        <p:txBody>
+          <a:bodyPr wrap="none" rtlCol="0">
+            <a:spAutoFit/>
+          </a:bodyPr>
+          <a:lstStyle/>
+          <a:p>
+            <a:r>
+              <a:rPr lang="ko-KR" altLang="en-US" dirty="0"/>
+              <a:t>화술</a:t>
+            </a:r>
+          </a:p>
+        </p:txBody>
+      </p:sp>
+      <p:sp>
+        <p:nvSpPr>
+          <p:cNvPr id="11" name="TextBox 10">
+            <a:extLst>
+              <a:ext uri="{FF2B5EF4-FFF2-40B4-BE49-F238E27FC236}">
+                <a16:creationId xmlns:a16="http://schemas.microsoft.com/office/drawing/2014/main" id="{BE1D231D-2F7F-F83F-96CF-2CDE57F99C49}"/>
+              </a:ext>
+            </a:extLst>
+          </p:cNvPr>
+          <p:cNvSpPr txBox="1"/>
+          <p:nvPr/>
+        </p:nvSpPr>
+        <p:spPr>
+          <a:xfrm>
+            <a:off x="574431" y="1003973"/>
+            <a:ext cx="11055317" cy="2862322"/>
+          </a:xfrm>
+          <a:prstGeom prst="rect">
+            <a:avLst/>
+          </a:prstGeom>
+          <a:noFill/>
+        </p:spPr>
+        <p:txBody>
+          <a:bodyPr wrap="square" rtlCol="0">
+            <a:spAutoFit/>
+          </a:bodyPr>
+          <a:lstStyle/>
+          <a:p>
+            <a:pPr marL="285750" indent="-285750">
+              <a:buFontTx/>
+              <a:buChar char="-"/>
+            </a:pPr>
+            <a:r>
+              <a:rPr lang="ko-KR" altLang="en-US" dirty="0"/>
+              <a:t>동료 관리 효율 증가</a:t>
+            </a:r>
+            <a:r>
+              <a:rPr lang="en-US" altLang="ko-KR" dirty="0"/>
+              <a:t>.</a:t>
+            </a:r>
+          </a:p>
+          <a:p>
+            <a:pPr marL="285750" indent="-285750">
+              <a:buFontTx/>
+              <a:buChar char="-"/>
+            </a:pPr>
+            <a:endParaRPr lang="en-US" altLang="ko-KR" dirty="0"/>
+          </a:p>
+          <a:p>
+            <a:pPr marL="285750" indent="-285750">
+              <a:buFontTx/>
+              <a:buChar char="-"/>
+            </a:pPr>
+            <a:r>
+              <a:rPr lang="ko-KR" altLang="en-US" dirty="0"/>
+              <a:t>전반적인 업그레이드 비용 감소</a:t>
+            </a:r>
+            <a:endParaRPr lang="en-US" altLang="ko-KR" dirty="0"/>
+          </a:p>
+          <a:p>
+            <a:pPr marL="285750" indent="-285750">
+              <a:buFontTx/>
+              <a:buChar char="-"/>
+            </a:pPr>
+            <a:endParaRPr lang="en-US" altLang="ko-KR" dirty="0"/>
+          </a:p>
+          <a:p>
+            <a:pPr marL="285750" indent="-285750">
+              <a:buFontTx/>
+              <a:buChar char="-"/>
+            </a:pPr>
+            <a:r>
+              <a:rPr lang="ko-KR" altLang="en-US" dirty="0"/>
+              <a:t>동료 획득 확률 증가</a:t>
+            </a:r>
+            <a:r>
+              <a:rPr lang="en-US" altLang="ko-KR" dirty="0"/>
+              <a:t>.</a:t>
+            </a:r>
+          </a:p>
+          <a:p>
+            <a:pPr marL="285750" indent="-285750">
+              <a:buFontTx/>
+              <a:buChar char="-"/>
+            </a:pPr>
+            <a:endParaRPr lang="en-US" altLang="ko-KR" dirty="0"/>
+          </a:p>
+          <a:p>
+            <a:pPr marL="285750" indent="-285750">
+              <a:buFontTx/>
+              <a:buChar char="-"/>
+            </a:pPr>
+            <a:endParaRPr lang="en-US" altLang="ko-KR" dirty="0"/>
+          </a:p>
+          <a:p>
+            <a:pPr marL="285750" indent="-285750">
+              <a:buFontTx/>
+              <a:buChar char="-"/>
+            </a:pPr>
+            <a:endParaRPr lang="en-US" altLang="ko-KR" dirty="0"/>
+          </a:p>
+          <a:p>
+            <a:pPr marL="285750" indent="-285750">
+              <a:buFontTx/>
+              <a:buChar char="-"/>
+            </a:pPr>
+            <a:endParaRPr lang="en-US" altLang="ko-KR" dirty="0"/>
+          </a:p>
+          <a:p>
+            <a:pPr marL="285750" indent="-285750">
+              <a:buFontTx/>
+              <a:buChar char="-"/>
+            </a:pPr>
+            <a:endParaRPr lang="en-US" altLang="ko-KR" dirty="0"/>
+          </a:p>
+        </p:txBody>
+      </p:sp>
+    </p:spTree>
+    <p:extLst>
+      <p:ext uri="{BB962C8B-B14F-4D97-AF65-F5344CB8AC3E}">
+        <p14:creationId xmlns:p14="http://schemas.microsoft.com/office/powerpoint/2010/main" val="1018635831"/>
+      </p:ext>
+    </p:extLst>
+  </p:cSld>
+  <p:clrMapOvr>
+    <a:masterClrMapping/>
+  </p:clrMapOvr>
+</p:sld>
+</file>
+
+<file path=ppt/slides/slide7.xml><?xml version="1.0" encoding="utf-8"?>
+<p:sld xmlns:a="http://schemas.openxmlformats.org/drawingml/2006/main" xmlns:r="http://schemas.openxmlformats.org/officeDocument/2006/relationships" xmlns:p="http://schemas.openxmlformats.org/presentationml/2006/main">
+  <p:cSld>
+    <p:spTree>
+      <p:nvGrpSpPr>
+        <p:cNvPr id="1" name=""/>
+        <p:cNvGrpSpPr/>
+        <p:nvPr/>
+      </p:nvGrpSpPr>
+      <p:grpSpPr>
+        <a:xfrm>
+          <a:off x="0" y="0"/>
+          <a:ext cx="0" cy="0"/>
+          <a:chOff x="0" y="0"/>
+          <a:chExt cx="0" cy="0"/>
+        </a:xfrm>
+      </p:grpSpPr>
+      <p:sp>
+        <p:nvSpPr>
+          <p:cNvPr id="9" name="TextBox 8">
+            <a:extLst>
+              <a:ext uri="{FF2B5EF4-FFF2-40B4-BE49-F238E27FC236}">
+                <a16:creationId xmlns:a16="http://schemas.microsoft.com/office/drawing/2014/main" id="{7C3AEEB5-635B-CC9E-A34E-9221454EB919}"/>
+              </a:ext>
+            </a:extLst>
+          </p:cNvPr>
+          <p:cNvSpPr txBox="1"/>
+          <p:nvPr/>
+        </p:nvSpPr>
+        <p:spPr>
+          <a:xfrm>
+            <a:off x="574431" y="439615"/>
+            <a:ext cx="1420582" cy="369332"/>
+          </a:xfrm>
+          <a:prstGeom prst="rect">
+            <a:avLst/>
+          </a:prstGeom>
+          <a:noFill/>
+        </p:spPr>
+        <p:txBody>
+          <a:bodyPr wrap="none" rtlCol="0">
+            <a:spAutoFit/>
+          </a:bodyPr>
+          <a:lstStyle/>
+          <a:p>
+            <a:r>
+              <a:rPr lang="ko-KR" altLang="en-US" dirty="0"/>
+              <a:t>개인적 능력</a:t>
+            </a:r>
+          </a:p>
+        </p:txBody>
+      </p:sp>
+      <p:sp>
+        <p:nvSpPr>
+          <p:cNvPr id="11" name="TextBox 10">
+            <a:extLst>
+              <a:ext uri="{FF2B5EF4-FFF2-40B4-BE49-F238E27FC236}">
+                <a16:creationId xmlns:a16="http://schemas.microsoft.com/office/drawing/2014/main" id="{BE1D231D-2F7F-F83F-96CF-2CDE57F99C49}"/>
+              </a:ext>
+            </a:extLst>
+          </p:cNvPr>
+          <p:cNvSpPr txBox="1"/>
+          <p:nvPr/>
+        </p:nvSpPr>
+        <p:spPr>
+          <a:xfrm>
+            <a:off x="574431" y="1003973"/>
+            <a:ext cx="11055317" cy="1477328"/>
+          </a:xfrm>
+          <a:prstGeom prst="rect">
+            <a:avLst/>
+          </a:prstGeom>
+          <a:noFill/>
+        </p:spPr>
+        <p:txBody>
+          <a:bodyPr wrap="square" rtlCol="0">
+            <a:spAutoFit/>
+          </a:bodyPr>
+          <a:lstStyle/>
+          <a:p>
+            <a:pPr marL="285750" indent="-285750">
+              <a:buFontTx/>
+              <a:buChar char="-"/>
+            </a:pPr>
+            <a:endParaRPr lang="en-US" altLang="ko-KR" dirty="0"/>
+          </a:p>
+          <a:p>
+            <a:pPr marL="285750" indent="-285750">
+              <a:buFontTx/>
+              <a:buChar char="-"/>
+            </a:pPr>
+            <a:endParaRPr lang="en-US" altLang="ko-KR" dirty="0"/>
+          </a:p>
+          <a:p>
+            <a:pPr marL="285750" indent="-285750">
+              <a:buFontTx/>
+              <a:buChar char="-"/>
+            </a:pPr>
+            <a:endParaRPr lang="en-US" altLang="ko-KR" dirty="0"/>
+          </a:p>
+          <a:p>
+            <a:pPr marL="285750" indent="-285750">
+              <a:buFontTx/>
+              <a:buChar char="-"/>
+            </a:pPr>
+            <a:endParaRPr lang="en-US" altLang="ko-KR" dirty="0"/>
+          </a:p>
+          <a:p>
+            <a:pPr marL="285750" indent="-285750">
+              <a:buFontTx/>
+              <a:buChar char="-"/>
+            </a:pPr>
+            <a:endParaRPr lang="en-US" altLang="ko-KR" dirty="0"/>
+          </a:p>
+        </p:txBody>
+      </p:sp>
+    </p:spTree>
+    <p:extLst>
+      <p:ext uri="{BB962C8B-B14F-4D97-AF65-F5344CB8AC3E}">
+        <p14:creationId xmlns:p14="http://schemas.microsoft.com/office/powerpoint/2010/main" val="1552632854"/>
+      </p:ext>
+    </p:extLst>
+  </p:cSld>
+  <p:clrMapOvr>
+    <a:masterClrMapping/>
+  </p:clrMapOvr>
+</p:sld>
+</file>
+
+<file path=ppt/slides/slide8.xml><?xml version="1.0" encoding="utf-8"?>
+<p:sld xmlns:a="http://schemas.openxmlformats.org/drawingml/2006/main" xmlns:r="http://schemas.openxmlformats.org/officeDocument/2006/relationships" xmlns:p="http://schemas.openxmlformats.org/presentationml/2006/main">
+  <p:cSld>
+    <p:spTree>
+      <p:nvGrpSpPr>
+        <p:cNvPr id="1" name=""/>
+        <p:cNvGrpSpPr/>
+        <p:nvPr/>
+      </p:nvGrpSpPr>
+      <p:grpSpPr>
+        <a:xfrm>
+          <a:off x="0" y="0"/>
+          <a:ext cx="0" cy="0"/>
+          <a:chOff x="0" y="0"/>
+          <a:chExt cx="0" cy="0"/>
+        </a:xfrm>
+      </p:grpSpPr>
+      <p:sp>
+        <p:nvSpPr>
+          <p:cNvPr id="9" name="TextBox 8">
+            <a:extLst>
+              <a:ext uri="{FF2B5EF4-FFF2-40B4-BE49-F238E27FC236}">
+                <a16:creationId xmlns:a16="http://schemas.microsoft.com/office/drawing/2014/main" id="{7C3AEEB5-635B-CC9E-A34E-9221454EB919}"/>
+              </a:ext>
+            </a:extLst>
+          </p:cNvPr>
+          <p:cNvSpPr txBox="1"/>
+          <p:nvPr/>
+        </p:nvSpPr>
+        <p:spPr>
+          <a:xfrm>
+            <a:off x="574431" y="439615"/>
+            <a:ext cx="646331" cy="369332"/>
+          </a:xfrm>
+          <a:prstGeom prst="rect">
+            <a:avLst/>
+          </a:prstGeom>
+          <a:noFill/>
+        </p:spPr>
+        <p:txBody>
+          <a:bodyPr wrap="none" rtlCol="0">
+            <a:spAutoFit/>
+          </a:bodyPr>
+          <a:lstStyle/>
+          <a:p>
+            <a:r>
+              <a:rPr lang="ko-KR" altLang="en-US" dirty="0"/>
+              <a:t>시설</a:t>
+            </a:r>
+          </a:p>
+        </p:txBody>
+      </p:sp>
+      <p:sp>
+        <p:nvSpPr>
+          <p:cNvPr id="11" name="TextBox 10">
+            <a:extLst>
+              <a:ext uri="{FF2B5EF4-FFF2-40B4-BE49-F238E27FC236}">
+                <a16:creationId xmlns:a16="http://schemas.microsoft.com/office/drawing/2014/main" id="{BE1D231D-2F7F-F83F-96CF-2CDE57F99C49}"/>
+              </a:ext>
+            </a:extLst>
+          </p:cNvPr>
+          <p:cNvSpPr txBox="1"/>
+          <p:nvPr/>
+        </p:nvSpPr>
+        <p:spPr>
+          <a:xfrm>
+            <a:off x="574431" y="1003973"/>
+            <a:ext cx="11055317" cy="1477328"/>
+          </a:xfrm>
+          <a:prstGeom prst="rect">
+            <a:avLst/>
+          </a:prstGeom>
+          <a:noFill/>
+        </p:spPr>
+        <p:txBody>
+          <a:bodyPr wrap="square" rtlCol="0">
+            <a:spAutoFit/>
+          </a:bodyPr>
+          <a:lstStyle/>
+          <a:p>
+            <a:pPr marL="285750" indent="-285750">
+              <a:buFontTx/>
+              <a:buChar char="-"/>
+            </a:pPr>
+            <a:r>
+              <a:rPr lang="ko-KR" altLang="en-US" dirty="0"/>
+              <a:t>동료들의 육성 효율</a:t>
+            </a:r>
+            <a:r>
+              <a:rPr lang="en-US" altLang="ko-KR" dirty="0"/>
+              <a:t>, </a:t>
+            </a:r>
+            <a:r>
+              <a:rPr lang="ko-KR" altLang="en-US" dirty="0"/>
+              <a:t>전투시에 추가 효과 증가</a:t>
+            </a:r>
+            <a:r>
+              <a:rPr lang="en-US" altLang="ko-KR" dirty="0"/>
+              <a:t>.</a:t>
+            </a:r>
+          </a:p>
+          <a:p>
+            <a:pPr marL="285750" indent="-285750">
+              <a:buFontTx/>
+              <a:buChar char="-"/>
+            </a:pPr>
+            <a:endParaRPr lang="en-US" altLang="ko-KR" dirty="0"/>
+          </a:p>
+          <a:p>
+            <a:pPr marL="285750" indent="-285750">
+              <a:buFontTx/>
+              <a:buChar char="-"/>
+            </a:pPr>
+            <a:endParaRPr lang="en-US" altLang="ko-KR" dirty="0"/>
+          </a:p>
+          <a:p>
+            <a:pPr marL="285750" indent="-285750">
+              <a:buFontTx/>
+              <a:buChar char="-"/>
+            </a:pPr>
+            <a:endParaRPr lang="en-US" altLang="ko-KR" dirty="0"/>
+          </a:p>
+          <a:p>
+            <a:pPr marL="285750" indent="-285750">
+              <a:buFontTx/>
+              <a:buChar char="-"/>
+            </a:pPr>
+            <a:endParaRPr lang="en-US" altLang="ko-KR" dirty="0"/>
+          </a:p>
+        </p:txBody>
+      </p:sp>
+    </p:spTree>
+    <p:extLst>
+      <p:ext uri="{BB962C8B-B14F-4D97-AF65-F5344CB8AC3E}">
+        <p14:creationId xmlns:p14="http://schemas.microsoft.com/office/powerpoint/2010/main" val="2372045924"/>
       </p:ext>
     </p:extLst>
   </p:cSld>

--- a/육성.pptx
+++ b/육성.pptx
@@ -266,7 +266,7 @@
           <a:p>
             <a:fld id="{8069FA6A-2A84-40D6-BD33-EFEC6828BE5B}" type="datetimeFigureOut">
               <a:rPr lang="ko-KR" altLang="en-US" smtClean="0"/>
-              <a:t>2024-03-25</a:t>
+              <a:t>2024-03-26</a:t>
             </a:fld>
             <a:endParaRPr lang="ko-KR" altLang="en-US"/>
           </a:p>
@@ -464,7 +464,7 @@
           <a:p>
             <a:fld id="{8069FA6A-2A84-40D6-BD33-EFEC6828BE5B}" type="datetimeFigureOut">
               <a:rPr lang="ko-KR" altLang="en-US" smtClean="0"/>
-              <a:t>2024-03-25</a:t>
+              <a:t>2024-03-26</a:t>
             </a:fld>
             <a:endParaRPr lang="ko-KR" altLang="en-US"/>
           </a:p>
@@ -672,7 +672,7 @@
           <a:p>
             <a:fld id="{8069FA6A-2A84-40D6-BD33-EFEC6828BE5B}" type="datetimeFigureOut">
               <a:rPr lang="ko-KR" altLang="en-US" smtClean="0"/>
-              <a:t>2024-03-25</a:t>
+              <a:t>2024-03-26</a:t>
             </a:fld>
             <a:endParaRPr lang="ko-KR" altLang="en-US"/>
           </a:p>
@@ -870,7 +870,7 @@
           <a:p>
             <a:fld id="{8069FA6A-2A84-40D6-BD33-EFEC6828BE5B}" type="datetimeFigureOut">
               <a:rPr lang="ko-KR" altLang="en-US" smtClean="0"/>
-              <a:t>2024-03-25</a:t>
+              <a:t>2024-03-26</a:t>
             </a:fld>
             <a:endParaRPr lang="ko-KR" altLang="en-US"/>
           </a:p>
@@ -1145,7 +1145,7 @@
           <a:p>
             <a:fld id="{8069FA6A-2A84-40D6-BD33-EFEC6828BE5B}" type="datetimeFigureOut">
               <a:rPr lang="ko-KR" altLang="en-US" smtClean="0"/>
-              <a:t>2024-03-25</a:t>
+              <a:t>2024-03-26</a:t>
             </a:fld>
             <a:endParaRPr lang="ko-KR" altLang="en-US"/>
           </a:p>
@@ -1410,7 +1410,7 @@
           <a:p>
             <a:fld id="{8069FA6A-2A84-40D6-BD33-EFEC6828BE5B}" type="datetimeFigureOut">
               <a:rPr lang="ko-KR" altLang="en-US" smtClean="0"/>
-              <a:t>2024-03-25</a:t>
+              <a:t>2024-03-26</a:t>
             </a:fld>
             <a:endParaRPr lang="ko-KR" altLang="en-US"/>
           </a:p>
@@ -1822,7 +1822,7 @@
           <a:p>
             <a:fld id="{8069FA6A-2A84-40D6-BD33-EFEC6828BE5B}" type="datetimeFigureOut">
               <a:rPr lang="ko-KR" altLang="en-US" smtClean="0"/>
-              <a:t>2024-03-25</a:t>
+              <a:t>2024-03-26</a:t>
             </a:fld>
             <a:endParaRPr lang="ko-KR" altLang="en-US"/>
           </a:p>
@@ -1963,7 +1963,7 @@
           <a:p>
             <a:fld id="{8069FA6A-2A84-40D6-BD33-EFEC6828BE5B}" type="datetimeFigureOut">
               <a:rPr lang="ko-KR" altLang="en-US" smtClean="0"/>
-              <a:t>2024-03-25</a:t>
+              <a:t>2024-03-26</a:t>
             </a:fld>
             <a:endParaRPr lang="ko-KR" altLang="en-US"/>
           </a:p>
@@ -2076,7 +2076,7 @@
           <a:p>
             <a:fld id="{8069FA6A-2A84-40D6-BD33-EFEC6828BE5B}" type="datetimeFigureOut">
               <a:rPr lang="ko-KR" altLang="en-US" smtClean="0"/>
-              <a:t>2024-03-25</a:t>
+              <a:t>2024-03-26</a:t>
             </a:fld>
             <a:endParaRPr lang="ko-KR" altLang="en-US"/>
           </a:p>
@@ -2387,7 +2387,7 @@
           <a:p>
             <a:fld id="{8069FA6A-2A84-40D6-BD33-EFEC6828BE5B}" type="datetimeFigureOut">
               <a:rPr lang="ko-KR" altLang="en-US" smtClean="0"/>
-              <a:t>2024-03-25</a:t>
+              <a:t>2024-03-26</a:t>
             </a:fld>
             <a:endParaRPr lang="ko-KR" altLang="en-US"/>
           </a:p>
@@ -2675,7 +2675,7 @@
           <a:p>
             <a:fld id="{8069FA6A-2A84-40D6-BD33-EFEC6828BE5B}" type="datetimeFigureOut">
               <a:rPr lang="ko-KR" altLang="en-US" smtClean="0"/>
-              <a:t>2024-03-25</a:t>
+              <a:t>2024-03-26</a:t>
             </a:fld>
             <a:endParaRPr lang="ko-KR" altLang="en-US"/>
           </a:p>
@@ -2916,7 +2916,7 @@
           <a:p>
             <a:fld id="{8069FA6A-2A84-40D6-BD33-EFEC6828BE5B}" type="datetimeFigureOut">
               <a:rPr lang="ko-KR" altLang="en-US" smtClean="0"/>
-              <a:t>2024-03-25</a:t>
+              <a:t>2024-03-26</a:t>
             </a:fld>
             <a:endParaRPr lang="ko-KR" altLang="en-US"/>
           </a:p>
@@ -3833,7 +3833,7 @@
         <p:spPr>
           <a:xfrm>
             <a:off x="574431" y="1003973"/>
-            <a:ext cx="11055317" cy="3139321"/>
+            <a:ext cx="11055317" cy="3693319"/>
           </a:xfrm>
           <a:prstGeom prst="rect">
             <a:avLst/>
@@ -3881,6 +3881,80 @@
             <a:r>
               <a:rPr lang="ko-KR" altLang="en-US" dirty="0"/>
               <a:t>높아질 수록 볼 수 있는 것이 늘어남</a:t>
+            </a:r>
+            <a:r>
+              <a:rPr lang="en-US" altLang="ko-KR" dirty="0"/>
+              <a:t>.</a:t>
+            </a:r>
+          </a:p>
+          <a:p>
+            <a:pPr marL="285750" indent="-285750">
+              <a:buFontTx/>
+              <a:buChar char="-"/>
+            </a:pPr>
+            <a:r>
+              <a:rPr lang="ko-KR" altLang="en-US" dirty="0"/>
+              <a:t>전투 </a:t>
+            </a:r>
+            <a:r>
+              <a:rPr lang="ko-KR" altLang="en-US" dirty="0" err="1"/>
+              <a:t>패배시</a:t>
+            </a:r>
+            <a:r>
+              <a:rPr lang="ko-KR" altLang="en-US" dirty="0"/>
+              <a:t> 체력 감소의 마지노선을 늘림</a:t>
+            </a:r>
+            <a:r>
+              <a:rPr lang="en-US" altLang="ko-KR" dirty="0"/>
+              <a:t>. 1/10</a:t>
+            </a:r>
+            <a:r>
+              <a:rPr lang="ko-KR" altLang="en-US" dirty="0"/>
+              <a:t>을 확률로 잡고</a:t>
+            </a:r>
+            <a:r>
+              <a:rPr lang="en-US" altLang="ko-KR" dirty="0"/>
+              <a:t>, 550</a:t>
+            </a:r>
+            <a:r>
+              <a:rPr lang="ko-KR" altLang="en-US" dirty="0"/>
+              <a:t>이상이 </a:t>
+            </a:r>
+            <a:r>
+              <a:rPr lang="ko-KR" altLang="en-US" dirty="0" err="1"/>
+              <a:t>될때</a:t>
+            </a:r>
+            <a:r>
+              <a:rPr lang="ko-KR" altLang="en-US" dirty="0"/>
+              <a:t> 부터 효과 적용</a:t>
+            </a:r>
+            <a:r>
+              <a:rPr lang="en-US" altLang="ko-KR" dirty="0"/>
+              <a:t>. </a:t>
+            </a:r>
+            <a:r>
+              <a:rPr lang="ko-KR" altLang="en-US" dirty="0"/>
+              <a:t>즉 최대 </a:t>
+            </a:r>
+            <a:r>
+              <a:rPr lang="en-US" altLang="ko-KR" dirty="0"/>
+              <a:t>0</a:t>
+            </a:r>
+            <a:r>
+              <a:rPr lang="ko-KR" altLang="en-US" dirty="0"/>
+              <a:t>프로 승률 상황에서도 체력을 </a:t>
+            </a:r>
+            <a:r>
+              <a:rPr lang="en-US" altLang="ko-KR" dirty="0"/>
+              <a:t>5</a:t>
+            </a:r>
+            <a:r>
+              <a:rPr lang="ko-KR" altLang="en-US" dirty="0"/>
+              <a:t> </a:t>
+            </a:r>
+            <a:r>
+              <a:rPr lang="ko-KR" altLang="en-US" dirty="0" err="1"/>
+              <a:t>까이기</a:t>
             </a:r>
             <a:r>
               <a:rPr lang="en-US" altLang="ko-KR" dirty="0"/>
@@ -4810,7 +4884,7 @@
         <p:spPr>
           <a:xfrm>
             <a:off x="574431" y="1003973"/>
-            <a:ext cx="11055317" cy="1477328"/>
+            <a:ext cx="11055317" cy="6463308"/>
           </a:xfrm>
           <a:prstGeom prst="rect">
             <a:avLst/>
@@ -4827,7 +4901,386 @@
               <a:buFontTx/>
               <a:buChar char="-"/>
             </a:pPr>
-            <a:endParaRPr lang="en-US" altLang="ko-KR" dirty="0"/>
+            <a:r>
+              <a:rPr lang="ko-KR" altLang="en-US" dirty="0"/>
+              <a:t>무기를 다루는 능력</a:t>
+            </a:r>
+            <a:r>
+              <a:rPr lang="en-US" altLang="ko-KR" dirty="0"/>
+              <a:t>? </a:t>
+            </a:r>
+            <a:r>
+              <a:rPr lang="ko-KR" altLang="en-US" dirty="0"/>
+              <a:t>전투 관련 수집 요소들 효율</a:t>
+            </a:r>
+            <a:r>
+              <a:rPr lang="en-US" altLang="ko-KR" dirty="0"/>
+              <a:t>?</a:t>
+            </a:r>
+          </a:p>
+          <a:p>
+            <a:pPr marL="285750" indent="-285750">
+              <a:buFontTx/>
+              <a:buChar char="-"/>
+            </a:pPr>
+            <a:r>
+              <a:rPr lang="ko-KR" altLang="en-US" dirty="0"/>
+              <a:t>무기라면 몇가지 정도</a:t>
+            </a:r>
+            <a:r>
+              <a:rPr lang="en-US" altLang="ko-KR" dirty="0"/>
+              <a:t>?</a:t>
+            </a:r>
+          </a:p>
+          <a:p>
+            <a:pPr marL="285750" indent="-285750">
+              <a:buFontTx/>
+              <a:buChar char="-"/>
+            </a:pPr>
+            <a:endParaRPr lang="en-US" altLang="ko-KR" dirty="0"/>
+          </a:p>
+          <a:p>
+            <a:pPr marL="285750" indent="-285750">
+              <a:buFontTx/>
+              <a:buChar char="-"/>
+            </a:pPr>
+            <a:r>
+              <a:rPr lang="ko-KR" altLang="en-US" dirty="0"/>
+              <a:t>단검</a:t>
+            </a:r>
+            <a:r>
+              <a:rPr lang="en-US" altLang="ko-KR" dirty="0"/>
+              <a:t>: </a:t>
+            </a:r>
+            <a:r>
+              <a:rPr lang="ko-KR" altLang="en-US" dirty="0"/>
+              <a:t>타수가 많은 대신 근력 보정 감소</a:t>
+            </a:r>
+            <a:r>
+              <a:rPr lang="en-US" altLang="ko-KR" dirty="0"/>
+              <a:t>. </a:t>
+            </a:r>
+            <a:r>
+              <a:rPr lang="ko-KR" altLang="en-US" dirty="0"/>
+              <a:t>능력 보정</a:t>
+            </a:r>
+            <a:r>
+              <a:rPr lang="en-US" altLang="ko-KR" dirty="0"/>
+              <a:t>: </a:t>
+            </a:r>
+            <a:r>
+              <a:rPr lang="ko-KR" altLang="en-US" dirty="0"/>
+              <a:t>타수 증가</a:t>
+            </a:r>
+            <a:r>
+              <a:rPr lang="en-US" altLang="ko-KR" dirty="0"/>
+              <a:t>.</a:t>
+            </a:r>
+          </a:p>
+          <a:p>
+            <a:pPr marL="285750" indent="-285750">
+              <a:buFontTx/>
+              <a:buChar char="-"/>
+            </a:pPr>
+            <a:r>
+              <a:rPr lang="ko-KR" altLang="en-US" dirty="0"/>
+              <a:t>활</a:t>
+            </a:r>
+            <a:r>
+              <a:rPr lang="en-US" altLang="ko-KR" dirty="0"/>
+              <a:t>: </a:t>
+            </a:r>
+            <a:r>
+              <a:rPr lang="ko-KR" altLang="en-US" dirty="0"/>
+              <a:t>좀 더 나중에 때릴 수 있게 하기</a:t>
+            </a:r>
+            <a:r>
+              <a:rPr lang="en-US" altLang="ko-KR" dirty="0"/>
+              <a:t>(</a:t>
+            </a:r>
+            <a:r>
+              <a:rPr lang="ko-KR" altLang="en-US" dirty="0"/>
+              <a:t>왜</a:t>
+            </a:r>
+            <a:r>
+              <a:rPr lang="en-US" altLang="ko-KR" dirty="0"/>
+              <a:t>? </a:t>
+            </a:r>
+            <a:r>
+              <a:rPr lang="ko-KR" altLang="en-US" dirty="0"/>
+              <a:t>확률이 극에 가까워질 수록 보정이 붙기 때문에</a:t>
+            </a:r>
+            <a:r>
+              <a:rPr lang="en-US" altLang="ko-KR" dirty="0"/>
+              <a:t>, </a:t>
+            </a:r>
+            <a:r>
+              <a:rPr lang="ko-KR" altLang="en-US" dirty="0"/>
+              <a:t>나중에 때리게 되면 더 많은 이득을 볼 수 있다</a:t>
+            </a:r>
+            <a:r>
+              <a:rPr lang="en-US" altLang="ko-KR" dirty="0"/>
+              <a:t>. </a:t>
+            </a:r>
+            <a:r>
+              <a:rPr lang="ko-KR" altLang="en-US" dirty="0"/>
+              <a:t>아니면 적의 스킬이 발동한 뒤에 사용하는 것도 좋은 효과</a:t>
+            </a:r>
+            <a:r>
+              <a:rPr lang="en-US" altLang="ko-KR" dirty="0"/>
+              <a:t>) </a:t>
+            </a:r>
+            <a:r>
+              <a:rPr lang="ko-KR" altLang="en-US" dirty="0"/>
+              <a:t>능력 보정</a:t>
+            </a:r>
+            <a:r>
+              <a:rPr lang="en-US" altLang="ko-KR" dirty="0"/>
+              <a:t>: </a:t>
+            </a:r>
+            <a:r>
+              <a:rPr lang="ko-KR" altLang="en-US" dirty="0"/>
+              <a:t>더 나중에 때릴 수 있음</a:t>
+            </a:r>
+            <a:r>
+              <a:rPr lang="en-US" altLang="ko-KR" dirty="0"/>
+              <a:t>.</a:t>
+            </a:r>
+          </a:p>
+          <a:p>
+            <a:pPr marL="285750" indent="-285750">
+              <a:buFontTx/>
+              <a:buChar char="-"/>
+            </a:pPr>
+            <a:r>
+              <a:rPr lang="ko-KR" altLang="en-US" dirty="0"/>
+              <a:t>대검</a:t>
+            </a:r>
+            <a:r>
+              <a:rPr lang="en-US" altLang="ko-KR" dirty="0"/>
+              <a:t>: </a:t>
+            </a:r>
+            <a:r>
+              <a:rPr lang="ko-KR" altLang="en-US" dirty="0"/>
+              <a:t>근력 보정 최대치</a:t>
+            </a:r>
+            <a:r>
+              <a:rPr lang="en-US" altLang="ko-KR" dirty="0"/>
+              <a:t>, </a:t>
+            </a:r>
+            <a:r>
+              <a:rPr lang="ko-KR" altLang="en-US" dirty="0"/>
+              <a:t>대신 타수가 적어 공격이 먼저 끝나게 될 듯</a:t>
+            </a:r>
+            <a:r>
+              <a:rPr lang="en-US" altLang="ko-KR" dirty="0"/>
+              <a:t>. </a:t>
+            </a:r>
+            <a:r>
+              <a:rPr lang="ko-KR" altLang="en-US" dirty="0"/>
+              <a:t>능력 보정</a:t>
+            </a:r>
+            <a:r>
+              <a:rPr lang="en-US" altLang="ko-KR" dirty="0"/>
+              <a:t>: </a:t>
+            </a:r>
+            <a:r>
+              <a:rPr lang="ko-KR" altLang="en-US" dirty="0"/>
+              <a:t>근력 보정 효율 증가</a:t>
+            </a:r>
+            <a:r>
+              <a:rPr lang="en-US" altLang="ko-KR" dirty="0"/>
+              <a:t>.</a:t>
+            </a:r>
+          </a:p>
+          <a:p>
+            <a:pPr marL="285750" indent="-285750">
+              <a:buFontTx/>
+              <a:buChar char="-"/>
+            </a:pPr>
+            <a:r>
+              <a:rPr lang="ko-KR" altLang="en-US" dirty="0"/>
+              <a:t>총</a:t>
+            </a:r>
+            <a:r>
+              <a:rPr lang="en-US" altLang="ko-KR" dirty="0"/>
+              <a:t>: </a:t>
+            </a:r>
+            <a:r>
+              <a:rPr lang="ko-KR" altLang="en-US" dirty="0"/>
+              <a:t>근력 보정은 없다시피</a:t>
+            </a:r>
+            <a:r>
+              <a:rPr lang="en-US" altLang="ko-KR" dirty="0"/>
+              <a:t>, </a:t>
+            </a:r>
+            <a:r>
+              <a:rPr lang="ko-KR" altLang="en-US" dirty="0"/>
+              <a:t>대신 능력 보정으로 </a:t>
+            </a:r>
+            <a:r>
+              <a:rPr lang="ko-KR" altLang="en-US" dirty="0" err="1"/>
+              <a:t>대미지</a:t>
+            </a:r>
+            <a:r>
+              <a:rPr lang="ko-KR" altLang="en-US" dirty="0"/>
+              <a:t> 증가</a:t>
+            </a:r>
+            <a:r>
+              <a:rPr lang="en-US" altLang="ko-KR" dirty="0"/>
+              <a:t>. </a:t>
+            </a:r>
+            <a:r>
+              <a:rPr lang="ko-KR" altLang="en-US" dirty="0"/>
+              <a:t>타수와 </a:t>
+            </a:r>
+            <a:r>
+              <a:rPr lang="ko-KR" altLang="en-US" dirty="0" err="1"/>
+              <a:t>늦춰짐</a:t>
+            </a:r>
+            <a:r>
+              <a:rPr lang="ko-KR" altLang="en-US" dirty="0"/>
+              <a:t> 효과가 단검과 활의 중간 수준 정도</a:t>
+            </a:r>
+            <a:r>
+              <a:rPr lang="en-US" altLang="ko-KR" dirty="0"/>
+              <a:t>?</a:t>
+            </a:r>
+          </a:p>
+          <a:p>
+            <a:pPr marL="285750" indent="-285750">
+              <a:buFontTx/>
+              <a:buChar char="-"/>
+            </a:pPr>
+            <a:r>
+              <a:rPr lang="ko-KR" altLang="en-US" dirty="0"/>
+              <a:t>주먹</a:t>
+            </a:r>
+            <a:r>
+              <a:rPr lang="en-US" altLang="ko-KR" dirty="0"/>
+              <a:t>: </a:t>
+            </a:r>
+            <a:r>
+              <a:rPr lang="ko-KR" altLang="en-US" dirty="0"/>
+              <a:t>무기의 효과를 다른 수집요소들의 효과와 번갈아 가며 사용</a:t>
+            </a:r>
+            <a:r>
+              <a:rPr lang="en-US" altLang="ko-KR" dirty="0"/>
+              <a:t>.</a:t>
+            </a:r>
+          </a:p>
+          <a:p>
+            <a:pPr marL="285750" indent="-285750">
+              <a:buFontTx/>
+              <a:buChar char="-"/>
+            </a:pPr>
+            <a:endParaRPr lang="en-US" altLang="ko-KR" dirty="0"/>
+          </a:p>
+          <a:p>
+            <a:pPr marL="285750" indent="-285750">
+              <a:buFontTx/>
+              <a:buChar char="-"/>
+            </a:pPr>
+            <a:r>
+              <a:rPr lang="ko-KR" altLang="en-US" dirty="0"/>
+              <a:t>채찍</a:t>
+            </a:r>
+            <a:r>
+              <a:rPr lang="en-US" altLang="ko-KR" dirty="0"/>
+              <a:t>: </a:t>
+            </a:r>
+            <a:r>
+              <a:rPr lang="ko-KR" altLang="en-US" dirty="0"/>
+              <a:t>전투가 길어질 수록 대미지가 커짐</a:t>
+            </a:r>
+            <a:r>
+              <a:rPr lang="en-US" altLang="ko-KR" dirty="0"/>
+              <a:t>?</a:t>
+            </a:r>
+          </a:p>
+          <a:p>
+            <a:pPr marL="285750" indent="-285750">
+              <a:buFontTx/>
+              <a:buChar char="-"/>
+            </a:pPr>
+            <a:endParaRPr lang="en-US" altLang="ko-KR" dirty="0"/>
+          </a:p>
+          <a:p>
+            <a:pPr marL="285750" indent="-285750">
+              <a:buFontTx/>
+              <a:buChar char="-"/>
+            </a:pPr>
+            <a:endParaRPr lang="en-US" altLang="ko-KR" dirty="0"/>
+          </a:p>
+          <a:p>
+            <a:pPr marL="285750" indent="-285750">
+              <a:buFontTx/>
+              <a:buChar char="-"/>
+            </a:pPr>
+            <a:endParaRPr lang="en-US" altLang="ko-KR" dirty="0"/>
+          </a:p>
+          <a:p>
+            <a:pPr marL="285750" indent="-285750">
+              <a:buFontTx/>
+              <a:buChar char="-"/>
+            </a:pPr>
+            <a:r>
+              <a:rPr lang="ko-KR" altLang="en-US" dirty="0"/>
+              <a:t>어찌됐건 </a:t>
+            </a:r>
+            <a:r>
+              <a:rPr lang="ko-KR" altLang="en-US" dirty="0" err="1"/>
+              <a:t>여러마리의</a:t>
+            </a:r>
+            <a:r>
+              <a:rPr lang="ko-KR" altLang="en-US" dirty="0"/>
+              <a:t> 적을 상대해야 할 땐</a:t>
+            </a:r>
+            <a:r>
+              <a:rPr lang="en-US" altLang="ko-KR" dirty="0"/>
+              <a:t>, </a:t>
+            </a:r>
+            <a:r>
+              <a:rPr lang="ko-KR" altLang="en-US" dirty="0" err="1"/>
+              <a:t>어그로를</a:t>
+            </a:r>
+            <a:r>
+              <a:rPr lang="ko-KR" altLang="en-US" dirty="0"/>
+              <a:t> 조절 할 수 있어야 함</a:t>
+            </a:r>
+            <a:r>
+              <a:rPr lang="en-US" altLang="ko-KR" dirty="0"/>
+              <a:t>.</a:t>
+            </a:r>
+          </a:p>
+          <a:p>
+            <a:pPr marL="285750" indent="-285750">
+              <a:buFontTx/>
+              <a:buChar char="-"/>
+            </a:pPr>
+            <a:endParaRPr lang="en-US" altLang="ko-KR" dirty="0"/>
+          </a:p>
+          <a:p>
+            <a:pPr marL="285750" indent="-285750">
+              <a:buFontTx/>
+              <a:buChar char="-"/>
+            </a:pPr>
+            <a:r>
+              <a:rPr lang="ko-KR" altLang="en-US" dirty="0"/>
+              <a:t>각 무기들은 사용하기 위한 필요 </a:t>
+            </a:r>
+            <a:r>
+              <a:rPr lang="ko-KR" altLang="en-US" dirty="0" err="1"/>
+              <a:t>스탯도</a:t>
+            </a:r>
+            <a:r>
+              <a:rPr lang="ko-KR" altLang="en-US" dirty="0"/>
+              <a:t> 넣어두자</a:t>
+            </a:r>
+            <a:r>
+              <a:rPr lang="en-US" altLang="ko-KR" dirty="0"/>
+              <a:t>.</a:t>
+            </a:r>
           </a:p>
           <a:p>
             <a:pPr marL="285750" indent="-285750">
@@ -4939,7 +5392,7 @@
         <p:spPr>
           <a:xfrm>
             <a:off x="574431" y="1003973"/>
-            <a:ext cx="11055317" cy="1477328"/>
+            <a:ext cx="11055317" cy="2031325"/>
           </a:xfrm>
           <a:prstGeom prst="rect">
             <a:avLst/>
@@ -4971,6 +5424,27 @@
             <a:r>
               <a:rPr lang="en-US" altLang="ko-KR" dirty="0"/>
               <a:t>.</a:t>
+            </a:r>
+          </a:p>
+          <a:p>
+            <a:pPr marL="285750" indent="-285750">
+              <a:buFontTx/>
+              <a:buChar char="-"/>
+            </a:pPr>
+            <a:endParaRPr lang="en-US" altLang="ko-KR" dirty="0"/>
+          </a:p>
+          <a:p>
+            <a:pPr marL="285750" indent="-285750">
+              <a:buFontTx/>
+              <a:buChar char="-"/>
+            </a:pPr>
+            <a:r>
+              <a:rPr lang="ko-KR" altLang="en-US" dirty="0"/>
+              <a:t>무기 강화 효과</a:t>
+            </a:r>
+            <a:r>
+              <a:rPr lang="en-US" altLang="ko-KR" dirty="0"/>
+              <a:t>?</a:t>
             </a:r>
           </a:p>
           <a:p>

--- a/육성.pptx
+++ b/육성.pptx
@@ -3833,7 +3833,7 @@
         <p:spPr>
           <a:xfrm>
             <a:off x="574431" y="1003973"/>
-            <a:ext cx="11055317" cy="3693319"/>
+            <a:ext cx="11055317" cy="3970318"/>
           </a:xfrm>
           <a:prstGeom prst="rect">
             <a:avLst/>
@@ -3960,6 +3960,25 @@
               <a:rPr lang="en-US" altLang="ko-KR" dirty="0"/>
               <a:t>.</a:t>
             </a:r>
+          </a:p>
+          <a:p>
+            <a:pPr marL="285750" indent="-285750">
+              <a:buFontTx/>
+              <a:buChar char="-"/>
+            </a:pPr>
+            <a:r>
+              <a:rPr lang="ko-KR" altLang="en-US" dirty="0"/>
+              <a:t>치명타 확률</a:t>
+            </a:r>
+            <a:r>
+              <a:rPr lang="en-US" altLang="ko-KR" dirty="0"/>
+              <a:t>? </a:t>
+            </a:r>
+            <a:r>
+              <a:rPr lang="ko-KR" altLang="en-US" dirty="0"/>
+              <a:t>적과의 지력 차이를 기반으로 확률 정함</a:t>
+            </a:r>
+            <a:endParaRPr lang="en-US" altLang="ko-KR" dirty="0"/>
           </a:p>
           <a:p>
             <a:pPr marL="285750" indent="-285750">

--- a/육성.pptx
+++ b/육성.pptx
@@ -266,7 +266,7 @@
           <a:p>
             <a:fld id="{8069FA6A-2A84-40D6-BD33-EFEC6828BE5B}" type="datetimeFigureOut">
               <a:rPr lang="ko-KR" altLang="en-US" smtClean="0"/>
-              <a:t>2024-03-26</a:t>
+              <a:t>2024-03-27</a:t>
             </a:fld>
             <a:endParaRPr lang="ko-KR" altLang="en-US"/>
           </a:p>
@@ -464,7 +464,7 @@
           <a:p>
             <a:fld id="{8069FA6A-2A84-40D6-BD33-EFEC6828BE5B}" type="datetimeFigureOut">
               <a:rPr lang="ko-KR" altLang="en-US" smtClean="0"/>
-              <a:t>2024-03-26</a:t>
+              <a:t>2024-03-27</a:t>
             </a:fld>
             <a:endParaRPr lang="ko-KR" altLang="en-US"/>
           </a:p>
@@ -672,7 +672,7 @@
           <a:p>
             <a:fld id="{8069FA6A-2A84-40D6-BD33-EFEC6828BE5B}" type="datetimeFigureOut">
               <a:rPr lang="ko-KR" altLang="en-US" smtClean="0"/>
-              <a:t>2024-03-26</a:t>
+              <a:t>2024-03-27</a:t>
             </a:fld>
             <a:endParaRPr lang="ko-KR" altLang="en-US"/>
           </a:p>
@@ -870,7 +870,7 @@
           <a:p>
             <a:fld id="{8069FA6A-2A84-40D6-BD33-EFEC6828BE5B}" type="datetimeFigureOut">
               <a:rPr lang="ko-KR" altLang="en-US" smtClean="0"/>
-              <a:t>2024-03-26</a:t>
+              <a:t>2024-03-27</a:t>
             </a:fld>
             <a:endParaRPr lang="ko-KR" altLang="en-US"/>
           </a:p>
@@ -1145,7 +1145,7 @@
           <a:p>
             <a:fld id="{8069FA6A-2A84-40D6-BD33-EFEC6828BE5B}" type="datetimeFigureOut">
               <a:rPr lang="ko-KR" altLang="en-US" smtClean="0"/>
-              <a:t>2024-03-26</a:t>
+              <a:t>2024-03-27</a:t>
             </a:fld>
             <a:endParaRPr lang="ko-KR" altLang="en-US"/>
           </a:p>
@@ -1410,7 +1410,7 @@
           <a:p>
             <a:fld id="{8069FA6A-2A84-40D6-BD33-EFEC6828BE5B}" type="datetimeFigureOut">
               <a:rPr lang="ko-KR" altLang="en-US" smtClean="0"/>
-              <a:t>2024-03-26</a:t>
+              <a:t>2024-03-27</a:t>
             </a:fld>
             <a:endParaRPr lang="ko-KR" altLang="en-US"/>
           </a:p>
@@ -1822,7 +1822,7 @@
           <a:p>
             <a:fld id="{8069FA6A-2A84-40D6-BD33-EFEC6828BE5B}" type="datetimeFigureOut">
               <a:rPr lang="ko-KR" altLang="en-US" smtClean="0"/>
-              <a:t>2024-03-26</a:t>
+              <a:t>2024-03-27</a:t>
             </a:fld>
             <a:endParaRPr lang="ko-KR" altLang="en-US"/>
           </a:p>
@@ -1963,7 +1963,7 @@
           <a:p>
             <a:fld id="{8069FA6A-2A84-40D6-BD33-EFEC6828BE5B}" type="datetimeFigureOut">
               <a:rPr lang="ko-KR" altLang="en-US" smtClean="0"/>
-              <a:t>2024-03-26</a:t>
+              <a:t>2024-03-27</a:t>
             </a:fld>
             <a:endParaRPr lang="ko-KR" altLang="en-US"/>
           </a:p>
@@ -2076,7 +2076,7 @@
           <a:p>
             <a:fld id="{8069FA6A-2A84-40D6-BD33-EFEC6828BE5B}" type="datetimeFigureOut">
               <a:rPr lang="ko-KR" altLang="en-US" smtClean="0"/>
-              <a:t>2024-03-26</a:t>
+              <a:t>2024-03-27</a:t>
             </a:fld>
             <a:endParaRPr lang="ko-KR" altLang="en-US"/>
           </a:p>
@@ -2387,7 +2387,7 @@
           <a:p>
             <a:fld id="{8069FA6A-2A84-40D6-BD33-EFEC6828BE5B}" type="datetimeFigureOut">
               <a:rPr lang="ko-KR" altLang="en-US" smtClean="0"/>
-              <a:t>2024-03-26</a:t>
+              <a:t>2024-03-27</a:t>
             </a:fld>
             <a:endParaRPr lang="ko-KR" altLang="en-US"/>
           </a:p>
@@ -2675,7 +2675,7 @@
           <a:p>
             <a:fld id="{8069FA6A-2A84-40D6-BD33-EFEC6828BE5B}" type="datetimeFigureOut">
               <a:rPr lang="ko-KR" altLang="en-US" smtClean="0"/>
-              <a:t>2024-03-26</a:t>
+              <a:t>2024-03-27</a:t>
             </a:fld>
             <a:endParaRPr lang="ko-KR" altLang="en-US"/>
           </a:p>
@@ -2916,7 +2916,7 @@
           <a:p>
             <a:fld id="{8069FA6A-2A84-40D6-BD33-EFEC6828BE5B}" type="datetimeFigureOut">
               <a:rPr lang="ko-KR" altLang="en-US" smtClean="0"/>
-              <a:t>2024-03-26</a:t>
+              <a:t>2024-03-27</a:t>
             </a:fld>
             <a:endParaRPr lang="ko-KR" altLang="en-US"/>
           </a:p>
@@ -5411,7 +5411,7 @@
         <p:spPr>
           <a:xfrm>
             <a:off x="574431" y="1003973"/>
-            <a:ext cx="11055317" cy="2031325"/>
+            <a:ext cx="11055317" cy="2585323"/>
           </a:xfrm>
           <a:prstGeom prst="rect">
             <a:avLst/>
@@ -5459,12 +5459,26 @@
             </a:pPr>
             <a:r>
               <a:rPr lang="ko-KR" altLang="en-US" dirty="0"/>
-              <a:t>무기 강화 효과</a:t>
+              <a:t>무기 강화 시스템</a:t>
             </a:r>
             <a:r>
               <a:rPr lang="en-US" altLang="ko-KR" dirty="0"/>
               <a:t>?</a:t>
             </a:r>
+          </a:p>
+          <a:p>
+            <a:pPr marL="285750" indent="-285750">
+              <a:buFontTx/>
+              <a:buChar char="-"/>
+            </a:pPr>
+            <a:endParaRPr lang="en-US" altLang="ko-KR" dirty="0"/>
+          </a:p>
+          <a:p>
+            <a:pPr marL="285750" indent="-285750">
+              <a:buFontTx/>
+              <a:buChar char="-"/>
+            </a:pPr>
+            <a:endParaRPr lang="en-US" altLang="ko-KR" dirty="0"/>
           </a:p>
           <a:p>
             <a:pPr marL="285750" indent="-285750">

--- a/육성.pptx
+++ b/육성.pptx
@@ -266,7 +266,7 @@
           <a:p>
             <a:fld id="{8069FA6A-2A84-40D6-BD33-EFEC6828BE5B}" type="datetimeFigureOut">
               <a:rPr lang="ko-KR" altLang="en-US" smtClean="0"/>
-              <a:t>2024-03-27</a:t>
+              <a:t>2024-04-12</a:t>
             </a:fld>
             <a:endParaRPr lang="ko-KR" altLang="en-US"/>
           </a:p>
@@ -464,7 +464,7 @@
           <a:p>
             <a:fld id="{8069FA6A-2A84-40D6-BD33-EFEC6828BE5B}" type="datetimeFigureOut">
               <a:rPr lang="ko-KR" altLang="en-US" smtClean="0"/>
-              <a:t>2024-03-27</a:t>
+              <a:t>2024-04-12</a:t>
             </a:fld>
             <a:endParaRPr lang="ko-KR" altLang="en-US"/>
           </a:p>
@@ -672,7 +672,7 @@
           <a:p>
             <a:fld id="{8069FA6A-2A84-40D6-BD33-EFEC6828BE5B}" type="datetimeFigureOut">
               <a:rPr lang="ko-KR" altLang="en-US" smtClean="0"/>
-              <a:t>2024-03-27</a:t>
+              <a:t>2024-04-12</a:t>
             </a:fld>
             <a:endParaRPr lang="ko-KR" altLang="en-US"/>
           </a:p>
@@ -870,7 +870,7 @@
           <a:p>
             <a:fld id="{8069FA6A-2A84-40D6-BD33-EFEC6828BE5B}" type="datetimeFigureOut">
               <a:rPr lang="ko-KR" altLang="en-US" smtClean="0"/>
-              <a:t>2024-03-27</a:t>
+              <a:t>2024-04-12</a:t>
             </a:fld>
             <a:endParaRPr lang="ko-KR" altLang="en-US"/>
           </a:p>
@@ -1145,7 +1145,7 @@
           <a:p>
             <a:fld id="{8069FA6A-2A84-40D6-BD33-EFEC6828BE5B}" type="datetimeFigureOut">
               <a:rPr lang="ko-KR" altLang="en-US" smtClean="0"/>
-              <a:t>2024-03-27</a:t>
+              <a:t>2024-04-12</a:t>
             </a:fld>
             <a:endParaRPr lang="ko-KR" altLang="en-US"/>
           </a:p>
@@ -1410,7 +1410,7 @@
           <a:p>
             <a:fld id="{8069FA6A-2A84-40D6-BD33-EFEC6828BE5B}" type="datetimeFigureOut">
               <a:rPr lang="ko-KR" altLang="en-US" smtClean="0"/>
-              <a:t>2024-03-27</a:t>
+              <a:t>2024-04-12</a:t>
             </a:fld>
             <a:endParaRPr lang="ko-KR" altLang="en-US"/>
           </a:p>
@@ -1822,7 +1822,7 @@
           <a:p>
             <a:fld id="{8069FA6A-2A84-40D6-BD33-EFEC6828BE5B}" type="datetimeFigureOut">
               <a:rPr lang="ko-KR" altLang="en-US" smtClean="0"/>
-              <a:t>2024-03-27</a:t>
+              <a:t>2024-04-12</a:t>
             </a:fld>
             <a:endParaRPr lang="ko-KR" altLang="en-US"/>
           </a:p>
@@ -1963,7 +1963,7 @@
           <a:p>
             <a:fld id="{8069FA6A-2A84-40D6-BD33-EFEC6828BE5B}" type="datetimeFigureOut">
               <a:rPr lang="ko-KR" altLang="en-US" smtClean="0"/>
-              <a:t>2024-03-27</a:t>
+              <a:t>2024-04-12</a:t>
             </a:fld>
             <a:endParaRPr lang="ko-KR" altLang="en-US"/>
           </a:p>
@@ -2076,7 +2076,7 @@
           <a:p>
             <a:fld id="{8069FA6A-2A84-40D6-BD33-EFEC6828BE5B}" type="datetimeFigureOut">
               <a:rPr lang="ko-KR" altLang="en-US" smtClean="0"/>
-              <a:t>2024-03-27</a:t>
+              <a:t>2024-04-12</a:t>
             </a:fld>
             <a:endParaRPr lang="ko-KR" altLang="en-US"/>
           </a:p>
@@ -2387,7 +2387,7 @@
           <a:p>
             <a:fld id="{8069FA6A-2A84-40D6-BD33-EFEC6828BE5B}" type="datetimeFigureOut">
               <a:rPr lang="ko-KR" altLang="en-US" smtClean="0"/>
-              <a:t>2024-03-27</a:t>
+              <a:t>2024-04-12</a:t>
             </a:fld>
             <a:endParaRPr lang="ko-KR" altLang="en-US"/>
           </a:p>
@@ -2675,7 +2675,7 @@
           <a:p>
             <a:fld id="{8069FA6A-2A84-40D6-BD33-EFEC6828BE5B}" type="datetimeFigureOut">
               <a:rPr lang="ko-KR" altLang="en-US" smtClean="0"/>
-              <a:t>2024-03-27</a:t>
+              <a:t>2024-04-12</a:t>
             </a:fld>
             <a:endParaRPr lang="ko-KR" altLang="en-US"/>
           </a:p>
@@ -2916,7 +2916,7 @@
           <a:p>
             <a:fld id="{8069FA6A-2A84-40D6-BD33-EFEC6828BE5B}" type="datetimeFigureOut">
               <a:rPr lang="ko-KR" altLang="en-US" smtClean="0"/>
-              <a:t>2024-03-27</a:t>
+              <a:t>2024-04-12</a:t>
             </a:fld>
             <a:endParaRPr lang="ko-KR" altLang="en-US"/>
           </a:p>
@@ -3383,7 +3383,7 @@
         <p:spPr>
           <a:xfrm>
             <a:off x="574431" y="1003973"/>
-            <a:ext cx="11277258" cy="2862322"/>
+            <a:ext cx="11277258" cy="3693319"/>
           </a:xfrm>
           <a:prstGeom prst="rect">
             <a:avLst/>
@@ -3583,6 +3583,43 @@
               <a:t>지원 순</a:t>
             </a:r>
             <a:endParaRPr lang="en-US" altLang="ko-KR" dirty="0"/>
+          </a:p>
+          <a:p>
+            <a:pPr marL="285750" indent="-285750">
+              <a:buFontTx/>
+              <a:buChar char="-"/>
+            </a:pPr>
+            <a:endParaRPr lang="en-US" altLang="ko-KR" dirty="0"/>
+          </a:p>
+          <a:p>
+            <a:pPr marL="285750" indent="-285750">
+              <a:buFontTx/>
+              <a:buChar char="-"/>
+            </a:pPr>
+            <a:r>
+              <a:rPr lang="ko-KR" altLang="en-US" dirty="0"/>
+              <a:t>육성 함수는 키우기를 선택한 경우</a:t>
+            </a:r>
+            <a:r>
+              <a:rPr lang="en-US" altLang="ko-KR" dirty="0"/>
+              <a:t>, </a:t>
+            </a:r>
+            <a:r>
+              <a:rPr lang="ko-KR" altLang="en-US" dirty="0"/>
+              <a:t>유저의 육성 정도에 영향을 주는 모든 요소를 하나의 유저 문서에 저장해두고</a:t>
+            </a:r>
+            <a:r>
+              <a:rPr lang="en-US" altLang="ko-KR" dirty="0"/>
+              <a:t>, </a:t>
+            </a:r>
+            <a:r>
+              <a:rPr lang="ko-KR" altLang="en-US" dirty="0"/>
+              <a:t>함수에 해당 문서를 전달 한 뒤 육성 시 각 요소를 적용시켜 더하거나 빼면 될 듯 하다</a:t>
+            </a:r>
+            <a:r>
+              <a:rPr lang="en-US" altLang="ko-KR" dirty="0"/>
+              <a:t>.</a:t>
+            </a:r>
           </a:p>
         </p:txBody>
       </p:sp>
@@ -4903,7 +4940,7 @@
         <p:spPr>
           <a:xfrm>
             <a:off x="574431" y="1003973"/>
-            <a:ext cx="11055317" cy="6463308"/>
+            <a:ext cx="11055317" cy="5909310"/>
           </a:xfrm>
           <a:prstGeom prst="rect">
             <a:avLst/>
@@ -4922,33 +4959,19 @@
             </a:pPr>
             <a:r>
               <a:rPr lang="ko-KR" altLang="en-US" dirty="0"/>
-              <a:t>무기를 다루는 능력</a:t>
-            </a:r>
-            <a:r>
-              <a:rPr lang="en-US" altLang="ko-KR" dirty="0"/>
-              <a:t>? </a:t>
-            </a:r>
-            <a:r>
-              <a:rPr lang="ko-KR" altLang="en-US" dirty="0"/>
-              <a:t>전투 관련 수집 요소들 효율</a:t>
-            </a:r>
-            <a:r>
-              <a:rPr lang="en-US" altLang="ko-KR" dirty="0"/>
-              <a:t>?</a:t>
-            </a:r>
-          </a:p>
-          <a:p>
-            <a:pPr marL="285750" indent="-285750">
-              <a:buFontTx/>
-              <a:buChar char="-"/>
-            </a:pPr>
-            <a:r>
-              <a:rPr lang="ko-KR" altLang="en-US" dirty="0"/>
-              <a:t>무기라면 몇가지 정도</a:t>
-            </a:r>
-            <a:r>
-              <a:rPr lang="en-US" altLang="ko-KR" dirty="0"/>
-              <a:t>?</a:t>
+              <a:t>무기 효율</a:t>
+            </a:r>
+            <a:r>
+              <a:rPr lang="en-US" altLang="ko-KR" dirty="0"/>
+              <a:t>. </a:t>
+            </a:r>
+            <a:r>
+              <a:rPr lang="ko-KR" altLang="en-US" dirty="0"/>
+              <a:t>각 무기 별로 해당 수치를 계산하는 방법이 다름</a:t>
+            </a:r>
+            <a:r>
+              <a:rPr lang="en-US" altLang="ko-KR" dirty="0"/>
+              <a:t>.</a:t>
             </a:r>
           </a:p>
           <a:p>
@@ -5187,13 +5210,6 @@
               <a:rPr lang="en-US" altLang="ko-KR" dirty="0"/>
               <a:t>.</a:t>
             </a:r>
-          </a:p>
-          <a:p>
-            <a:pPr marL="285750" indent="-285750">
-              <a:buFontTx/>
-              <a:buChar char="-"/>
-            </a:pPr>
-            <a:endParaRPr lang="en-US" altLang="ko-KR" dirty="0"/>
           </a:p>
           <a:p>
             <a:pPr marL="285750" indent="-285750">

--- a/육성.pptx
+++ b/육성.pptx
@@ -13,6 +13,7 @@
     <p:sldId id="271" r:id="rId7"/>
     <p:sldId id="273" r:id="rId8"/>
     <p:sldId id="272" r:id="rId9"/>
+    <p:sldId id="274" r:id="rId10"/>
   </p:sldIdLst>
   <p:sldSz cx="12192000" cy="6858000"/>
   <p:notesSz cx="6858000" cy="9144000"/>
@@ -4029,6 +4030,22 @@
               <a:buFontTx/>
               <a:buChar char="-"/>
             </a:pPr>
+            <a:r>
+              <a:rPr lang="en-US" altLang="ko-KR" dirty="0"/>
+              <a:t>200 </a:t>
+            </a:r>
+            <a:r>
+              <a:rPr lang="ko-KR" altLang="en-US" dirty="0"/>
+              <a:t>이상 </a:t>
+            </a:r>
+            <a:r>
+              <a:rPr lang="en-US" altLang="ko-KR" dirty="0"/>
+              <a:t>= </a:t>
+            </a:r>
+            <a:r>
+              <a:rPr lang="ko-KR" altLang="en-US" dirty="0"/>
+              <a:t>행동의 어떤 것이 턴을 소모하는지 공개</a:t>
+            </a:r>
             <a:endParaRPr lang="en-US" altLang="ko-KR" dirty="0"/>
           </a:p>
           <a:p>
@@ -5392,7 +5409,7 @@
         <p:spPr>
           <a:xfrm>
             <a:off x="574431" y="439615"/>
-            <a:ext cx="646331" cy="369332"/>
+            <a:ext cx="545277" cy="369332"/>
           </a:xfrm>
           <a:prstGeom prst="rect">
             <a:avLst/>
@@ -5406,9 +5423,10 @@
           <a:lstStyle/>
           <a:p>
             <a:r>
-              <a:rPr lang="ko-KR" altLang="en-US" dirty="0"/>
-              <a:t>시설</a:t>
-            </a:r>
+              <a:rPr lang="en-US" altLang="ko-KR" dirty="0"/>
+              <a:t>Etc.</a:t>
+            </a:r>
+            <a:endParaRPr lang="ko-KR" altLang="en-US" dirty="0"/>
           </a:p>
         </p:txBody>
       </p:sp>
@@ -5446,7 +5464,7 @@
             </a:pPr>
             <a:r>
               <a:rPr lang="ko-KR" altLang="en-US" dirty="0"/>
-              <a:t>동료들의 육성 효율</a:t>
+              <a:t>현재 보유 중인 예언</a:t>
             </a:r>
             <a:r>
               <a:rPr lang="en-US" altLang="ko-KR" dirty="0"/>
@@ -5454,7 +5472,23 @@
             </a:r>
             <a:r>
               <a:rPr lang="ko-KR" altLang="en-US" dirty="0"/>
-              <a:t>전투시에 추가 효과 증가</a:t>
+              <a:t>수집요소</a:t>
+            </a:r>
+            <a:r>
+              <a:rPr lang="en-US" altLang="ko-KR" dirty="0"/>
+              <a:t>, </a:t>
+            </a:r>
+            <a:r>
+              <a:rPr lang="ko-KR" altLang="en-US" dirty="0"/>
+              <a:t>무기</a:t>
+            </a:r>
+            <a:r>
+              <a:rPr lang="en-US" altLang="ko-KR" dirty="0"/>
+              <a:t>, </a:t>
+            </a:r>
+            <a:r>
+              <a:rPr lang="ko-KR" altLang="en-US" dirty="0"/>
+              <a:t>동료를 확인 가능</a:t>
             </a:r>
             <a:r>
               <a:rPr lang="en-US" altLang="ko-KR" dirty="0"/>
@@ -5466,21 +5500,21 @@
               <a:buFontTx/>
               <a:buChar char="-"/>
             </a:pPr>
-            <a:endParaRPr lang="en-US" altLang="ko-KR" dirty="0"/>
-          </a:p>
-          <a:p>
-            <a:pPr marL="285750" indent="-285750">
-              <a:buFontTx/>
-              <a:buChar char="-"/>
-            </a:pPr>
-            <a:r>
-              <a:rPr lang="ko-KR" altLang="en-US" dirty="0"/>
-              <a:t>무기 강화 시스템</a:t>
-            </a:r>
-            <a:r>
-              <a:rPr lang="en-US" altLang="ko-KR" dirty="0"/>
-              <a:t>?</a:t>
-            </a:r>
+            <a:r>
+              <a:rPr lang="ko-KR" altLang="en-US" dirty="0"/>
+              <a:t>특정 조건에서 미리 때려보기 기능</a:t>
+            </a:r>
+            <a:r>
+              <a:rPr lang="en-US" altLang="ko-KR" dirty="0"/>
+              <a:t>.</a:t>
+            </a:r>
+          </a:p>
+          <a:p>
+            <a:pPr marL="285750" indent="-285750">
+              <a:buFontTx/>
+              <a:buChar char="-"/>
+            </a:pPr>
+            <a:endParaRPr lang="en-US" altLang="ko-KR" dirty="0"/>
           </a:p>
           <a:p>
             <a:pPr marL="285750" indent="-285750">
@@ -5530,6 +5564,185 @@
     <p:extLst>
       <p:ext uri="{BB962C8B-B14F-4D97-AF65-F5344CB8AC3E}">
         <p14:creationId xmlns:p14="http://schemas.microsoft.com/office/powerpoint/2010/main" val="2372045924"/>
+      </p:ext>
+    </p:extLst>
+  </p:cSld>
+  <p:clrMapOvr>
+    <a:masterClrMapping/>
+  </p:clrMapOvr>
+</p:sld>
+</file>
+
+<file path=ppt/slides/slide9.xml><?xml version="1.0" encoding="utf-8"?>
+<p:sld xmlns:a="http://schemas.openxmlformats.org/drawingml/2006/main" xmlns:r="http://schemas.openxmlformats.org/officeDocument/2006/relationships" xmlns:p="http://schemas.openxmlformats.org/presentationml/2006/main">
+  <p:cSld>
+    <p:spTree>
+      <p:nvGrpSpPr>
+        <p:cNvPr id="1" name=""/>
+        <p:cNvGrpSpPr/>
+        <p:nvPr/>
+      </p:nvGrpSpPr>
+      <p:grpSpPr>
+        <a:xfrm>
+          <a:off x="0" y="0"/>
+          <a:ext cx="0" cy="0"/>
+          <a:chOff x="0" y="0"/>
+          <a:chExt cx="0" cy="0"/>
+        </a:xfrm>
+      </p:grpSpPr>
+      <p:sp>
+        <p:nvSpPr>
+          <p:cNvPr id="9" name="TextBox 8">
+            <a:extLst>
+              <a:ext uri="{FF2B5EF4-FFF2-40B4-BE49-F238E27FC236}">
+                <a16:creationId xmlns:a16="http://schemas.microsoft.com/office/drawing/2014/main" id="{7C3AEEB5-635B-CC9E-A34E-9221454EB919}"/>
+              </a:ext>
+            </a:extLst>
+          </p:cNvPr>
+          <p:cNvSpPr txBox="1"/>
+          <p:nvPr/>
+        </p:nvSpPr>
+        <p:spPr>
+          <a:xfrm>
+            <a:off x="574431" y="439615"/>
+            <a:ext cx="646331" cy="369332"/>
+          </a:xfrm>
+          <a:prstGeom prst="rect">
+            <a:avLst/>
+          </a:prstGeom>
+          <a:noFill/>
+        </p:spPr>
+        <p:txBody>
+          <a:bodyPr wrap="none" rtlCol="0">
+            <a:spAutoFit/>
+          </a:bodyPr>
+          <a:lstStyle/>
+          <a:p>
+            <a:r>
+              <a:rPr lang="ko-KR" altLang="en-US" dirty="0"/>
+              <a:t>시설</a:t>
+            </a:r>
+          </a:p>
+        </p:txBody>
+      </p:sp>
+      <p:sp>
+        <p:nvSpPr>
+          <p:cNvPr id="11" name="TextBox 10">
+            <a:extLst>
+              <a:ext uri="{FF2B5EF4-FFF2-40B4-BE49-F238E27FC236}">
+                <a16:creationId xmlns:a16="http://schemas.microsoft.com/office/drawing/2014/main" id="{BE1D231D-2F7F-F83F-96CF-2CDE57F99C49}"/>
+              </a:ext>
+            </a:extLst>
+          </p:cNvPr>
+          <p:cNvSpPr txBox="1"/>
+          <p:nvPr/>
+        </p:nvSpPr>
+        <p:spPr>
+          <a:xfrm>
+            <a:off x="574431" y="1003973"/>
+            <a:ext cx="11055317" cy="2585323"/>
+          </a:xfrm>
+          <a:prstGeom prst="rect">
+            <a:avLst/>
+          </a:prstGeom>
+          <a:noFill/>
+        </p:spPr>
+        <p:txBody>
+          <a:bodyPr wrap="square" rtlCol="0">
+            <a:spAutoFit/>
+          </a:bodyPr>
+          <a:lstStyle/>
+          <a:p>
+            <a:pPr marL="285750" indent="-285750">
+              <a:buFontTx/>
+              <a:buChar char="-"/>
+            </a:pPr>
+            <a:r>
+              <a:rPr lang="ko-KR" altLang="en-US" dirty="0"/>
+              <a:t>동료들의 육성 효율</a:t>
+            </a:r>
+            <a:r>
+              <a:rPr lang="en-US" altLang="ko-KR" dirty="0"/>
+              <a:t>, </a:t>
+            </a:r>
+            <a:r>
+              <a:rPr lang="ko-KR" altLang="en-US" dirty="0"/>
+              <a:t>전투시에 추가 효과 증가</a:t>
+            </a:r>
+            <a:r>
+              <a:rPr lang="en-US" altLang="ko-KR" dirty="0"/>
+              <a:t>.</a:t>
+            </a:r>
+          </a:p>
+          <a:p>
+            <a:pPr marL="285750" indent="-285750">
+              <a:buFontTx/>
+              <a:buChar char="-"/>
+            </a:pPr>
+            <a:endParaRPr lang="en-US" altLang="ko-KR" dirty="0"/>
+          </a:p>
+          <a:p>
+            <a:pPr marL="285750" indent="-285750">
+              <a:buFontTx/>
+              <a:buChar char="-"/>
+            </a:pPr>
+            <a:r>
+              <a:rPr lang="ko-KR" altLang="en-US" dirty="0"/>
+              <a:t>무기 강화 시스템</a:t>
+            </a:r>
+            <a:r>
+              <a:rPr lang="en-US" altLang="ko-KR" dirty="0"/>
+              <a:t>?</a:t>
+            </a:r>
+          </a:p>
+          <a:p>
+            <a:pPr marL="285750" indent="-285750">
+              <a:buFontTx/>
+              <a:buChar char="-"/>
+            </a:pPr>
+            <a:endParaRPr lang="en-US" altLang="ko-KR" dirty="0"/>
+          </a:p>
+          <a:p>
+            <a:pPr marL="285750" indent="-285750">
+              <a:buFontTx/>
+              <a:buChar char="-"/>
+            </a:pPr>
+            <a:endParaRPr lang="en-US" altLang="ko-KR" dirty="0"/>
+          </a:p>
+          <a:p>
+            <a:pPr marL="285750" indent="-285750">
+              <a:buFontTx/>
+              <a:buChar char="-"/>
+            </a:pPr>
+            <a:endParaRPr lang="en-US" altLang="ko-KR" dirty="0"/>
+          </a:p>
+          <a:p>
+            <a:pPr marL="285750" indent="-285750">
+              <a:buFontTx/>
+              <a:buChar char="-"/>
+            </a:pPr>
+            <a:endParaRPr lang="en-US" altLang="ko-KR" dirty="0"/>
+          </a:p>
+          <a:p>
+            <a:pPr marL="285750" indent="-285750">
+              <a:buFontTx/>
+              <a:buChar char="-"/>
+            </a:pPr>
+            <a:endParaRPr lang="en-US" altLang="ko-KR" dirty="0"/>
+          </a:p>
+          <a:p>
+            <a:pPr marL="285750" indent="-285750">
+              <a:buFontTx/>
+              <a:buChar char="-"/>
+            </a:pPr>
+            <a:endParaRPr lang="en-US" altLang="ko-KR" dirty="0"/>
+          </a:p>
+        </p:txBody>
+      </p:sp>
+    </p:spTree>
+    <p:extLst>
+      <p:ext uri="{BB962C8B-B14F-4D97-AF65-F5344CB8AC3E}">
+        <p14:creationId xmlns:p14="http://schemas.microsoft.com/office/powerpoint/2010/main" val="1133089553"/>
       </p:ext>
     </p:extLst>
   </p:cSld>

--- a/육성.pptx
+++ b/육성.pptx
@@ -14,6 +14,7 @@
     <p:sldId id="273" r:id="rId8"/>
     <p:sldId id="272" r:id="rId9"/>
     <p:sldId id="274" r:id="rId10"/>
+    <p:sldId id="275" r:id="rId11"/>
   </p:sldIdLst>
   <p:sldSz cx="12192000" cy="6858000"/>
   <p:notesSz cx="6858000" cy="9144000"/>
@@ -267,7 +268,7 @@
           <a:p>
             <a:fld id="{8069FA6A-2A84-40D6-BD33-EFEC6828BE5B}" type="datetimeFigureOut">
               <a:rPr lang="ko-KR" altLang="en-US" smtClean="0"/>
-              <a:t>2024-04-12</a:t>
+              <a:t>2024-04-13</a:t>
             </a:fld>
             <a:endParaRPr lang="ko-KR" altLang="en-US"/>
           </a:p>
@@ -465,7 +466,7 @@
           <a:p>
             <a:fld id="{8069FA6A-2A84-40D6-BD33-EFEC6828BE5B}" type="datetimeFigureOut">
               <a:rPr lang="ko-KR" altLang="en-US" smtClean="0"/>
-              <a:t>2024-04-12</a:t>
+              <a:t>2024-04-13</a:t>
             </a:fld>
             <a:endParaRPr lang="ko-KR" altLang="en-US"/>
           </a:p>
@@ -673,7 +674,7 @@
           <a:p>
             <a:fld id="{8069FA6A-2A84-40D6-BD33-EFEC6828BE5B}" type="datetimeFigureOut">
               <a:rPr lang="ko-KR" altLang="en-US" smtClean="0"/>
-              <a:t>2024-04-12</a:t>
+              <a:t>2024-04-13</a:t>
             </a:fld>
             <a:endParaRPr lang="ko-KR" altLang="en-US"/>
           </a:p>
@@ -871,7 +872,7 @@
           <a:p>
             <a:fld id="{8069FA6A-2A84-40D6-BD33-EFEC6828BE5B}" type="datetimeFigureOut">
               <a:rPr lang="ko-KR" altLang="en-US" smtClean="0"/>
-              <a:t>2024-04-12</a:t>
+              <a:t>2024-04-13</a:t>
             </a:fld>
             <a:endParaRPr lang="ko-KR" altLang="en-US"/>
           </a:p>
@@ -1146,7 +1147,7 @@
           <a:p>
             <a:fld id="{8069FA6A-2A84-40D6-BD33-EFEC6828BE5B}" type="datetimeFigureOut">
               <a:rPr lang="ko-KR" altLang="en-US" smtClean="0"/>
-              <a:t>2024-04-12</a:t>
+              <a:t>2024-04-13</a:t>
             </a:fld>
             <a:endParaRPr lang="ko-KR" altLang="en-US"/>
           </a:p>
@@ -1411,7 +1412,7 @@
           <a:p>
             <a:fld id="{8069FA6A-2A84-40D6-BD33-EFEC6828BE5B}" type="datetimeFigureOut">
               <a:rPr lang="ko-KR" altLang="en-US" smtClean="0"/>
-              <a:t>2024-04-12</a:t>
+              <a:t>2024-04-13</a:t>
             </a:fld>
             <a:endParaRPr lang="ko-KR" altLang="en-US"/>
           </a:p>
@@ -1823,7 +1824,7 @@
           <a:p>
             <a:fld id="{8069FA6A-2A84-40D6-BD33-EFEC6828BE5B}" type="datetimeFigureOut">
               <a:rPr lang="ko-KR" altLang="en-US" smtClean="0"/>
-              <a:t>2024-04-12</a:t>
+              <a:t>2024-04-13</a:t>
             </a:fld>
             <a:endParaRPr lang="ko-KR" altLang="en-US"/>
           </a:p>
@@ -1964,7 +1965,7 @@
           <a:p>
             <a:fld id="{8069FA6A-2A84-40D6-BD33-EFEC6828BE5B}" type="datetimeFigureOut">
               <a:rPr lang="ko-KR" altLang="en-US" smtClean="0"/>
-              <a:t>2024-04-12</a:t>
+              <a:t>2024-04-13</a:t>
             </a:fld>
             <a:endParaRPr lang="ko-KR" altLang="en-US"/>
           </a:p>
@@ -2077,7 +2078,7 @@
           <a:p>
             <a:fld id="{8069FA6A-2A84-40D6-BD33-EFEC6828BE5B}" type="datetimeFigureOut">
               <a:rPr lang="ko-KR" altLang="en-US" smtClean="0"/>
-              <a:t>2024-04-12</a:t>
+              <a:t>2024-04-13</a:t>
             </a:fld>
             <a:endParaRPr lang="ko-KR" altLang="en-US"/>
           </a:p>
@@ -2388,7 +2389,7 @@
           <a:p>
             <a:fld id="{8069FA6A-2A84-40D6-BD33-EFEC6828BE5B}" type="datetimeFigureOut">
               <a:rPr lang="ko-KR" altLang="en-US" smtClean="0"/>
-              <a:t>2024-04-12</a:t>
+              <a:t>2024-04-13</a:t>
             </a:fld>
             <a:endParaRPr lang="ko-KR" altLang="en-US"/>
           </a:p>
@@ -2676,7 +2677,7 @@
           <a:p>
             <a:fld id="{8069FA6A-2A84-40D6-BD33-EFEC6828BE5B}" type="datetimeFigureOut">
               <a:rPr lang="ko-KR" altLang="en-US" smtClean="0"/>
-              <a:t>2024-04-12</a:t>
+              <a:t>2024-04-13</a:t>
             </a:fld>
             <a:endParaRPr lang="ko-KR" altLang="en-US"/>
           </a:p>
@@ -2917,7 +2918,7 @@
           <a:p>
             <a:fld id="{8069FA6A-2A84-40D6-BD33-EFEC6828BE5B}" type="datetimeFigureOut">
               <a:rPr lang="ko-KR" altLang="en-US" smtClean="0"/>
-              <a:t>2024-04-12</a:t>
+              <a:t>2024-04-13</a:t>
             </a:fld>
             <a:endParaRPr lang="ko-KR" altLang="en-US"/>
           </a:p>
@@ -3628,6 +3629,262 @@
     <p:extLst>
       <p:ext uri="{BB962C8B-B14F-4D97-AF65-F5344CB8AC3E}">
         <p14:creationId xmlns:p14="http://schemas.microsoft.com/office/powerpoint/2010/main" val="1062390423"/>
+      </p:ext>
+    </p:extLst>
+  </p:cSld>
+  <p:clrMapOvr>
+    <a:masterClrMapping/>
+  </p:clrMapOvr>
+</p:sld>
+</file>
+
+<file path=ppt/slides/slide10.xml><?xml version="1.0" encoding="utf-8"?>
+<p:sld xmlns:a="http://schemas.openxmlformats.org/drawingml/2006/main" xmlns:r="http://schemas.openxmlformats.org/officeDocument/2006/relationships" xmlns:p="http://schemas.openxmlformats.org/presentationml/2006/main">
+  <p:cSld>
+    <p:spTree>
+      <p:nvGrpSpPr>
+        <p:cNvPr id="1" name=""/>
+        <p:cNvGrpSpPr/>
+        <p:nvPr/>
+      </p:nvGrpSpPr>
+      <p:grpSpPr>
+        <a:xfrm>
+          <a:off x="0" y="0"/>
+          <a:ext cx="0" cy="0"/>
+          <a:chOff x="0" y="0"/>
+          <a:chExt cx="0" cy="0"/>
+        </a:xfrm>
+      </p:grpSpPr>
+      <p:sp>
+        <p:nvSpPr>
+          <p:cNvPr id="9" name="TextBox 8">
+            <a:extLst>
+              <a:ext uri="{FF2B5EF4-FFF2-40B4-BE49-F238E27FC236}">
+                <a16:creationId xmlns:a16="http://schemas.microsoft.com/office/drawing/2014/main" id="{7C3AEEB5-635B-CC9E-A34E-9221454EB919}"/>
+              </a:ext>
+            </a:extLst>
+          </p:cNvPr>
+          <p:cNvSpPr txBox="1"/>
+          <p:nvPr/>
+        </p:nvSpPr>
+        <p:spPr>
+          <a:xfrm>
+            <a:off x="574431" y="439615"/>
+            <a:ext cx="646331" cy="369332"/>
+          </a:xfrm>
+          <a:prstGeom prst="rect">
+            <a:avLst/>
+          </a:prstGeom>
+          <a:noFill/>
+        </p:spPr>
+        <p:txBody>
+          <a:bodyPr wrap="none" rtlCol="0">
+            <a:spAutoFit/>
+          </a:bodyPr>
+          <a:lstStyle/>
+          <a:p>
+            <a:r>
+              <a:rPr lang="ko-KR" altLang="en-US" dirty="0"/>
+              <a:t>동료</a:t>
+            </a:r>
+          </a:p>
+        </p:txBody>
+      </p:sp>
+      <p:sp>
+        <p:nvSpPr>
+          <p:cNvPr id="11" name="TextBox 10">
+            <a:extLst>
+              <a:ext uri="{FF2B5EF4-FFF2-40B4-BE49-F238E27FC236}">
+                <a16:creationId xmlns:a16="http://schemas.microsoft.com/office/drawing/2014/main" id="{BE1D231D-2F7F-F83F-96CF-2CDE57F99C49}"/>
+              </a:ext>
+            </a:extLst>
+          </p:cNvPr>
+          <p:cNvSpPr txBox="1"/>
+          <p:nvPr/>
+        </p:nvSpPr>
+        <p:spPr>
+          <a:xfrm>
+            <a:off x="574431" y="1003973"/>
+            <a:ext cx="11055317" cy="3693319"/>
+          </a:xfrm>
+          <a:prstGeom prst="rect">
+            <a:avLst/>
+          </a:prstGeom>
+          <a:noFill/>
+        </p:spPr>
+        <p:txBody>
+          <a:bodyPr wrap="square" rtlCol="0">
+            <a:spAutoFit/>
+          </a:bodyPr>
+          <a:lstStyle/>
+          <a:p>
+            <a:pPr marL="285750" indent="-285750">
+              <a:buFontTx/>
+              <a:buChar char="-"/>
+            </a:pPr>
+            <a:r>
+              <a:rPr lang="ko-KR" altLang="en-US" dirty="0"/>
+              <a:t>동료들도 각각 개별의 수치를 가지고 있음</a:t>
+            </a:r>
+            <a:r>
+              <a:rPr lang="en-US" altLang="ko-KR" dirty="0"/>
+              <a:t>.</a:t>
+            </a:r>
+          </a:p>
+          <a:p>
+            <a:pPr marL="285750" indent="-285750">
+              <a:buFontTx/>
+              <a:buChar char="-"/>
+            </a:pPr>
+            <a:r>
+              <a:rPr lang="ko-KR" altLang="en-US" dirty="0"/>
+              <a:t>최대치는 같지만 전투시 적용 알고리즘을 다르게 짜던가 하자</a:t>
+            </a:r>
+            <a:r>
+              <a:rPr lang="en-US" altLang="ko-KR" dirty="0"/>
+              <a:t>.</a:t>
+            </a:r>
+          </a:p>
+          <a:p>
+            <a:pPr marL="285750" indent="-285750">
+              <a:buFontTx/>
+              <a:buChar char="-"/>
+            </a:pPr>
+            <a:r>
+              <a:rPr lang="ko-KR" altLang="en-US" dirty="0"/>
+              <a:t>동료들도 마찬가지로 명상과 체력 수치에 따라 대미지를 입고</a:t>
+            </a:r>
+            <a:r>
+              <a:rPr lang="en-US" altLang="ko-KR" dirty="0"/>
+              <a:t>, </a:t>
+            </a:r>
+            <a:r>
+              <a:rPr lang="ko-KR" altLang="en-US" dirty="0"/>
+              <a:t>최대 체력 이하가 되면 사망</a:t>
+            </a:r>
+            <a:r>
+              <a:rPr lang="en-US" altLang="ko-KR" dirty="0"/>
+              <a:t>.</a:t>
+            </a:r>
+          </a:p>
+          <a:p>
+            <a:pPr marL="285750" indent="-285750">
+              <a:buFontTx/>
+              <a:buChar char="-"/>
+            </a:pPr>
+            <a:endParaRPr lang="en-US" altLang="ko-KR" dirty="0"/>
+          </a:p>
+          <a:p>
+            <a:pPr marL="285750" indent="-285750">
+              <a:buFontTx/>
+              <a:buChar char="-"/>
+            </a:pPr>
+            <a:r>
+              <a:rPr lang="ko-KR" altLang="en-US" dirty="0"/>
+              <a:t>동료의 명상수치는 최대 멘탈</a:t>
+            </a:r>
+            <a:r>
+              <a:rPr lang="en-US" altLang="ko-KR" dirty="0"/>
+              <a:t>, </a:t>
+            </a:r>
+            <a:r>
+              <a:rPr lang="ko-KR" altLang="en-US" dirty="0"/>
+              <a:t>행운 수치 </a:t>
+            </a:r>
+            <a:r>
+              <a:rPr lang="en-US" altLang="ko-KR" dirty="0"/>
+              <a:t>+ </a:t>
+            </a:r>
+            <a:r>
+              <a:rPr lang="ko-KR" altLang="en-US" dirty="0"/>
+              <a:t>명상</a:t>
+            </a:r>
+            <a:r>
+              <a:rPr lang="en-US" altLang="ko-KR" dirty="0"/>
+              <a:t>/10  or /100</a:t>
+            </a:r>
+          </a:p>
+          <a:p>
+            <a:pPr marL="285750" indent="-285750">
+              <a:buFontTx/>
+              <a:buChar char="-"/>
+            </a:pPr>
+            <a:r>
+              <a:rPr lang="ko-KR" altLang="en-US" dirty="0"/>
+              <a:t>체력은 회복되는 양</a:t>
+            </a:r>
+            <a:endParaRPr lang="en-US" altLang="ko-KR" dirty="0"/>
+          </a:p>
+          <a:p>
+            <a:pPr marL="285750" indent="-285750">
+              <a:buFontTx/>
+              <a:buChar char="-"/>
+            </a:pPr>
+            <a:r>
+              <a:rPr lang="ko-KR" altLang="en-US" dirty="0"/>
+              <a:t>화술은 플레이어 화술 수치 </a:t>
+            </a:r>
+            <a:r>
+              <a:rPr lang="en-US" altLang="ko-KR" dirty="0"/>
+              <a:t>+ </a:t>
+            </a:r>
+            <a:r>
+              <a:rPr lang="ko-KR" altLang="en-US" dirty="0"/>
+              <a:t>화술 </a:t>
+            </a:r>
+            <a:r>
+              <a:rPr lang="en-US" altLang="ko-KR" dirty="0"/>
+              <a:t>/10 or /100</a:t>
+            </a:r>
+          </a:p>
+          <a:p>
+            <a:pPr marL="285750" indent="-285750">
+              <a:buFontTx/>
+              <a:buChar char="-"/>
+            </a:pPr>
+            <a:endParaRPr lang="en-US" altLang="ko-KR" dirty="0"/>
+          </a:p>
+          <a:p>
+            <a:pPr marL="285750" indent="-285750">
+              <a:buFontTx/>
+              <a:buChar char="-"/>
+            </a:pPr>
+            <a:endParaRPr lang="en-US" altLang="ko-KR" dirty="0"/>
+          </a:p>
+          <a:p>
+            <a:pPr marL="285750" indent="-285750">
+              <a:buFontTx/>
+              <a:buChar char="-"/>
+            </a:pPr>
+            <a:endParaRPr lang="en-US" altLang="ko-KR" dirty="0"/>
+          </a:p>
+          <a:p>
+            <a:pPr marL="285750" indent="-285750">
+              <a:buFontTx/>
+              <a:buChar char="-"/>
+            </a:pPr>
+            <a:endParaRPr lang="en-US" altLang="ko-KR" dirty="0"/>
+          </a:p>
+          <a:p>
+            <a:pPr marL="285750" indent="-285750">
+              <a:buFontTx/>
+              <a:buChar char="-"/>
+            </a:pPr>
+            <a:endParaRPr lang="en-US" altLang="ko-KR" dirty="0"/>
+          </a:p>
+          <a:p>
+            <a:pPr marL="285750" indent="-285750">
+              <a:buFontTx/>
+              <a:buChar char="-"/>
+            </a:pPr>
+            <a:endParaRPr lang="en-US" altLang="ko-KR" dirty="0"/>
+          </a:p>
+        </p:txBody>
+      </p:sp>
+    </p:spTree>
+    <p:extLst>
+      <p:ext uri="{BB962C8B-B14F-4D97-AF65-F5344CB8AC3E}">
+        <p14:creationId xmlns:p14="http://schemas.microsoft.com/office/powerpoint/2010/main" val="3776444119"/>
       </p:ext>
     </p:extLst>
   </p:cSld>

--- a/육성.pptx
+++ b/육성.pptx
@@ -268,7 +268,7 @@
           <a:p>
             <a:fld id="{8069FA6A-2A84-40D6-BD33-EFEC6828BE5B}" type="datetimeFigureOut">
               <a:rPr lang="ko-KR" altLang="en-US" smtClean="0"/>
-              <a:t>2024-04-13</a:t>
+              <a:t>2024-04-17</a:t>
             </a:fld>
             <a:endParaRPr lang="ko-KR" altLang="en-US"/>
           </a:p>
@@ -466,7 +466,7 @@
           <a:p>
             <a:fld id="{8069FA6A-2A84-40D6-BD33-EFEC6828BE5B}" type="datetimeFigureOut">
               <a:rPr lang="ko-KR" altLang="en-US" smtClean="0"/>
-              <a:t>2024-04-13</a:t>
+              <a:t>2024-04-17</a:t>
             </a:fld>
             <a:endParaRPr lang="ko-KR" altLang="en-US"/>
           </a:p>
@@ -674,7 +674,7 @@
           <a:p>
             <a:fld id="{8069FA6A-2A84-40D6-BD33-EFEC6828BE5B}" type="datetimeFigureOut">
               <a:rPr lang="ko-KR" altLang="en-US" smtClean="0"/>
-              <a:t>2024-04-13</a:t>
+              <a:t>2024-04-17</a:t>
             </a:fld>
             <a:endParaRPr lang="ko-KR" altLang="en-US"/>
           </a:p>
@@ -872,7 +872,7 @@
           <a:p>
             <a:fld id="{8069FA6A-2A84-40D6-BD33-EFEC6828BE5B}" type="datetimeFigureOut">
               <a:rPr lang="ko-KR" altLang="en-US" smtClean="0"/>
-              <a:t>2024-04-13</a:t>
+              <a:t>2024-04-17</a:t>
             </a:fld>
             <a:endParaRPr lang="ko-KR" altLang="en-US"/>
           </a:p>
@@ -1147,7 +1147,7 @@
           <a:p>
             <a:fld id="{8069FA6A-2A84-40D6-BD33-EFEC6828BE5B}" type="datetimeFigureOut">
               <a:rPr lang="ko-KR" altLang="en-US" smtClean="0"/>
-              <a:t>2024-04-13</a:t>
+              <a:t>2024-04-17</a:t>
             </a:fld>
             <a:endParaRPr lang="ko-KR" altLang="en-US"/>
           </a:p>
@@ -1412,7 +1412,7 @@
           <a:p>
             <a:fld id="{8069FA6A-2A84-40D6-BD33-EFEC6828BE5B}" type="datetimeFigureOut">
               <a:rPr lang="ko-KR" altLang="en-US" smtClean="0"/>
-              <a:t>2024-04-13</a:t>
+              <a:t>2024-04-17</a:t>
             </a:fld>
             <a:endParaRPr lang="ko-KR" altLang="en-US"/>
           </a:p>
@@ -1824,7 +1824,7 @@
           <a:p>
             <a:fld id="{8069FA6A-2A84-40D6-BD33-EFEC6828BE5B}" type="datetimeFigureOut">
               <a:rPr lang="ko-KR" altLang="en-US" smtClean="0"/>
-              <a:t>2024-04-13</a:t>
+              <a:t>2024-04-17</a:t>
             </a:fld>
             <a:endParaRPr lang="ko-KR" altLang="en-US"/>
           </a:p>
@@ -1965,7 +1965,7 @@
           <a:p>
             <a:fld id="{8069FA6A-2A84-40D6-BD33-EFEC6828BE5B}" type="datetimeFigureOut">
               <a:rPr lang="ko-KR" altLang="en-US" smtClean="0"/>
-              <a:t>2024-04-13</a:t>
+              <a:t>2024-04-17</a:t>
             </a:fld>
             <a:endParaRPr lang="ko-KR" altLang="en-US"/>
           </a:p>
@@ -2078,7 +2078,7 @@
           <a:p>
             <a:fld id="{8069FA6A-2A84-40D6-BD33-EFEC6828BE5B}" type="datetimeFigureOut">
               <a:rPr lang="ko-KR" altLang="en-US" smtClean="0"/>
-              <a:t>2024-04-13</a:t>
+              <a:t>2024-04-17</a:t>
             </a:fld>
             <a:endParaRPr lang="ko-KR" altLang="en-US"/>
           </a:p>
@@ -2389,7 +2389,7 @@
           <a:p>
             <a:fld id="{8069FA6A-2A84-40D6-BD33-EFEC6828BE5B}" type="datetimeFigureOut">
               <a:rPr lang="ko-KR" altLang="en-US" smtClean="0"/>
-              <a:t>2024-04-13</a:t>
+              <a:t>2024-04-17</a:t>
             </a:fld>
             <a:endParaRPr lang="ko-KR" altLang="en-US"/>
           </a:p>
@@ -2677,7 +2677,7 @@
           <a:p>
             <a:fld id="{8069FA6A-2A84-40D6-BD33-EFEC6828BE5B}" type="datetimeFigureOut">
               <a:rPr lang="ko-KR" altLang="en-US" smtClean="0"/>
-              <a:t>2024-04-13</a:t>
+              <a:t>2024-04-17</a:t>
             </a:fld>
             <a:endParaRPr lang="ko-KR" altLang="en-US"/>
           </a:p>
@@ -2918,7 +2918,7 @@
           <a:p>
             <a:fld id="{8069FA6A-2A84-40D6-BD33-EFEC6828BE5B}" type="datetimeFigureOut">
               <a:rPr lang="ko-KR" altLang="en-US" smtClean="0"/>
-              <a:t>2024-04-13</a:t>
+              <a:t>2024-04-17</a:t>
             </a:fld>
             <a:endParaRPr lang="ko-KR" altLang="en-US"/>
           </a:p>
@@ -4563,7 +4563,7 @@
             </a:r>
             <a:r>
               <a:rPr lang="en-US" altLang="ko-KR" dirty="0"/>
-              <a:t>= 50, 1000 = 100</a:t>
+              <a:t>= 20, 1000 = 50</a:t>
             </a:r>
           </a:p>
           <a:p>
@@ -4767,7 +4767,7 @@
         <p:spPr>
           <a:xfrm>
             <a:off x="574431" y="1003973"/>
-            <a:ext cx="11055317" cy="4524315"/>
+            <a:ext cx="11055317" cy="4801314"/>
           </a:xfrm>
           <a:prstGeom prst="rect">
             <a:avLst/>
@@ -4854,6 +4854,17 @@
               <a:rPr lang="en-US" altLang="ko-KR" dirty="0"/>
               <a:t>)</a:t>
             </a:r>
+          </a:p>
+          <a:p>
+            <a:pPr marL="285750" indent="-285750">
+              <a:buFontTx/>
+              <a:buChar char="-"/>
+            </a:pPr>
+            <a:r>
+              <a:rPr lang="ko-KR" altLang="en-US" dirty="0"/>
+              <a:t>전투 치명타 뜰 확률 증가</a:t>
+            </a:r>
+            <a:endParaRPr lang="en-US" altLang="ko-KR" dirty="0"/>
           </a:p>
           <a:p>
             <a:endParaRPr lang="en-US" altLang="ko-KR" dirty="0"/>
@@ -5032,7 +5043,7 @@
         <p:spPr>
           <a:xfrm>
             <a:off x="574431" y="1003973"/>
-            <a:ext cx="11055317" cy="2862322"/>
+            <a:ext cx="11055317" cy="3693319"/>
           </a:xfrm>
           <a:prstGeom prst="rect">
             <a:avLst/>
@@ -5102,6 +5113,55 @@
               <a:buFontTx/>
               <a:buChar char="-"/>
             </a:pPr>
+            <a:r>
+              <a:rPr lang="ko-KR" altLang="en-US" dirty="0"/>
+              <a:t>아니면 </a:t>
+            </a:r>
+            <a:r>
+              <a:rPr lang="ko-KR" altLang="en-US" dirty="0" err="1"/>
+              <a:t>명상꺼</a:t>
+            </a:r>
+            <a:r>
+              <a:rPr lang="ko-KR" altLang="en-US" dirty="0"/>
+              <a:t> 전투 치명타를 얘로 가져올까</a:t>
+            </a:r>
+            <a:endParaRPr lang="en-US" altLang="ko-KR" dirty="0"/>
+          </a:p>
+          <a:p>
+            <a:pPr marL="285750" indent="-285750">
+              <a:buFontTx/>
+              <a:buChar char="-"/>
+            </a:pPr>
+            <a:endParaRPr lang="en-US" altLang="ko-KR" dirty="0"/>
+          </a:p>
+          <a:p>
+            <a:pPr marL="285750" indent="-285750">
+              <a:buFontTx/>
+              <a:buChar char="-"/>
+            </a:pPr>
+            <a:endParaRPr lang="en-US" altLang="ko-KR" dirty="0"/>
+          </a:p>
+          <a:p>
+            <a:pPr marL="285750" indent="-285750">
+              <a:buFontTx/>
+              <a:buChar char="-"/>
+            </a:pPr>
+            <a:r>
+              <a:rPr lang="ko-KR" altLang="en-US" dirty="0"/>
+              <a:t>얘는 활용이 낮아서 최대치도 </a:t>
+            </a:r>
+            <a:r>
+              <a:rPr lang="en-US" altLang="ko-KR" dirty="0"/>
+              <a:t>500 </a:t>
+            </a:r>
+            <a:r>
+              <a:rPr lang="ko-KR" altLang="en-US" dirty="0"/>
+              <a:t>정도로 잡으면 </a:t>
+            </a:r>
+            <a:r>
+              <a:rPr lang="ko-KR" altLang="en-US" dirty="0" err="1"/>
+              <a:t>좋을수도</a:t>
+            </a:r>
             <a:endParaRPr lang="en-US" altLang="ko-KR" dirty="0"/>
           </a:p>
           <a:p>

--- a/육성.pptx
+++ b/육성.pptx
@@ -268,7 +268,7 @@
           <a:p>
             <a:fld id="{8069FA6A-2A84-40D6-BD33-EFEC6828BE5B}" type="datetimeFigureOut">
               <a:rPr lang="ko-KR" altLang="en-US" smtClean="0"/>
-              <a:t>2024-04-17</a:t>
+              <a:t>2024-07-12</a:t>
             </a:fld>
             <a:endParaRPr lang="ko-KR" altLang="en-US"/>
           </a:p>
@@ -466,7 +466,7 @@
           <a:p>
             <a:fld id="{8069FA6A-2A84-40D6-BD33-EFEC6828BE5B}" type="datetimeFigureOut">
               <a:rPr lang="ko-KR" altLang="en-US" smtClean="0"/>
-              <a:t>2024-04-17</a:t>
+              <a:t>2024-07-12</a:t>
             </a:fld>
             <a:endParaRPr lang="ko-KR" altLang="en-US"/>
           </a:p>
@@ -674,7 +674,7 @@
           <a:p>
             <a:fld id="{8069FA6A-2A84-40D6-BD33-EFEC6828BE5B}" type="datetimeFigureOut">
               <a:rPr lang="ko-KR" altLang="en-US" smtClean="0"/>
-              <a:t>2024-04-17</a:t>
+              <a:t>2024-07-12</a:t>
             </a:fld>
             <a:endParaRPr lang="ko-KR" altLang="en-US"/>
           </a:p>
@@ -872,7 +872,7 @@
           <a:p>
             <a:fld id="{8069FA6A-2A84-40D6-BD33-EFEC6828BE5B}" type="datetimeFigureOut">
               <a:rPr lang="ko-KR" altLang="en-US" smtClean="0"/>
-              <a:t>2024-04-17</a:t>
+              <a:t>2024-07-12</a:t>
             </a:fld>
             <a:endParaRPr lang="ko-KR" altLang="en-US"/>
           </a:p>
@@ -1147,7 +1147,7 @@
           <a:p>
             <a:fld id="{8069FA6A-2A84-40D6-BD33-EFEC6828BE5B}" type="datetimeFigureOut">
               <a:rPr lang="ko-KR" altLang="en-US" smtClean="0"/>
-              <a:t>2024-04-17</a:t>
+              <a:t>2024-07-12</a:t>
             </a:fld>
             <a:endParaRPr lang="ko-KR" altLang="en-US"/>
           </a:p>
@@ -1412,7 +1412,7 @@
           <a:p>
             <a:fld id="{8069FA6A-2A84-40D6-BD33-EFEC6828BE5B}" type="datetimeFigureOut">
               <a:rPr lang="ko-KR" altLang="en-US" smtClean="0"/>
-              <a:t>2024-04-17</a:t>
+              <a:t>2024-07-12</a:t>
             </a:fld>
             <a:endParaRPr lang="ko-KR" altLang="en-US"/>
           </a:p>
@@ -1824,7 +1824,7 @@
           <a:p>
             <a:fld id="{8069FA6A-2A84-40D6-BD33-EFEC6828BE5B}" type="datetimeFigureOut">
               <a:rPr lang="ko-KR" altLang="en-US" smtClean="0"/>
-              <a:t>2024-04-17</a:t>
+              <a:t>2024-07-12</a:t>
             </a:fld>
             <a:endParaRPr lang="ko-KR" altLang="en-US"/>
           </a:p>
@@ -1965,7 +1965,7 @@
           <a:p>
             <a:fld id="{8069FA6A-2A84-40D6-BD33-EFEC6828BE5B}" type="datetimeFigureOut">
               <a:rPr lang="ko-KR" altLang="en-US" smtClean="0"/>
-              <a:t>2024-04-17</a:t>
+              <a:t>2024-07-12</a:t>
             </a:fld>
             <a:endParaRPr lang="ko-KR" altLang="en-US"/>
           </a:p>
@@ -2078,7 +2078,7 @@
           <a:p>
             <a:fld id="{8069FA6A-2A84-40D6-BD33-EFEC6828BE5B}" type="datetimeFigureOut">
               <a:rPr lang="ko-KR" altLang="en-US" smtClean="0"/>
-              <a:t>2024-04-17</a:t>
+              <a:t>2024-07-12</a:t>
             </a:fld>
             <a:endParaRPr lang="ko-KR" altLang="en-US"/>
           </a:p>
@@ -2389,7 +2389,7 @@
           <a:p>
             <a:fld id="{8069FA6A-2A84-40D6-BD33-EFEC6828BE5B}" type="datetimeFigureOut">
               <a:rPr lang="ko-KR" altLang="en-US" smtClean="0"/>
-              <a:t>2024-04-17</a:t>
+              <a:t>2024-07-12</a:t>
             </a:fld>
             <a:endParaRPr lang="ko-KR" altLang="en-US"/>
           </a:p>
@@ -2677,7 +2677,7 @@
           <a:p>
             <a:fld id="{8069FA6A-2A84-40D6-BD33-EFEC6828BE5B}" type="datetimeFigureOut">
               <a:rPr lang="ko-KR" altLang="en-US" smtClean="0"/>
-              <a:t>2024-04-17</a:t>
+              <a:t>2024-07-12</a:t>
             </a:fld>
             <a:endParaRPr lang="ko-KR" altLang="en-US"/>
           </a:p>
@@ -2918,7 +2918,7 @@
           <a:p>
             <a:fld id="{8069FA6A-2A84-40D6-BD33-EFEC6828BE5B}" type="datetimeFigureOut">
               <a:rPr lang="ko-KR" altLang="en-US" smtClean="0"/>
-              <a:t>2024-04-17</a:t>
+              <a:t>2024-07-12</a:t>
             </a:fld>
             <a:endParaRPr lang="ko-KR" altLang="en-US"/>
           </a:p>
@@ -4525,7 +4525,7 @@
         <p:spPr>
           <a:xfrm>
             <a:off x="574431" y="1003973"/>
-            <a:ext cx="11055317" cy="3693319"/>
+            <a:ext cx="11055317" cy="4524315"/>
           </a:xfrm>
           <a:prstGeom prst="rect">
             <a:avLst/>
@@ -4554,8 +4554,28 @@
               <a:buChar char="-"/>
             </a:pPr>
             <a:r>
-              <a:rPr lang="en-US" altLang="ko-KR" dirty="0"/>
-              <a:t>0 = 5, 300</a:t>
+              <a:rPr lang="ko-KR" altLang="en-US" dirty="0"/>
+              <a:t>총 </a:t>
+            </a:r>
+            <a:r>
+              <a:rPr lang="en-US" altLang="ko-KR" dirty="0"/>
+              <a:t>100</a:t>
+            </a:r>
+            <a:r>
+              <a:rPr lang="ko-KR" altLang="en-US" dirty="0"/>
+              <a:t>턴인데</a:t>
+            </a:r>
+            <a:r>
+              <a:rPr lang="en-US" altLang="ko-KR" dirty="0"/>
+              <a:t>, </a:t>
+            </a:r>
+            <a:r>
+              <a:rPr lang="ko-KR" altLang="en-US" dirty="0"/>
+              <a:t>아무 아이템 없이 체력 </a:t>
+            </a:r>
+            <a:r>
+              <a:rPr lang="ko-KR" altLang="en-US" dirty="0" err="1"/>
+              <a:t>스탯만</a:t>
             </a:r>
             <a:r>
               <a:rPr lang="ko-KR" altLang="en-US" dirty="0"/>
@@ -4563,7 +4583,175 @@
             </a:r>
             <a:r>
               <a:rPr lang="en-US" altLang="ko-KR" dirty="0"/>
-              <a:t>= 20, 1000 = 50</a:t>
+              <a:t>1000</a:t>
+            </a:r>
+            <a:r>
+              <a:rPr lang="ko-KR" altLang="en-US" dirty="0"/>
+              <a:t>이라 </a:t>
+            </a:r>
+            <a:r>
+              <a:rPr lang="ko-KR" altLang="en-US" dirty="0" err="1"/>
+              <a:t>가정시</a:t>
+            </a:r>
+            <a:r>
+              <a:rPr lang="ko-KR" altLang="en-US" dirty="0"/>
+              <a:t> 두개의 </a:t>
+            </a:r>
+            <a:r>
+              <a:rPr lang="ko-KR" altLang="en-US" dirty="0" err="1"/>
+              <a:t>스탯을</a:t>
+            </a:r>
+            <a:r>
+              <a:rPr lang="ko-KR" altLang="en-US" dirty="0"/>
+              <a:t> 다 채울 수 있는 정도</a:t>
+            </a:r>
+            <a:r>
+              <a:rPr lang="en-US" altLang="ko-KR" dirty="0"/>
+              <a:t>, </a:t>
+            </a:r>
+            <a:r>
+              <a:rPr lang="ko-KR" altLang="en-US" dirty="0"/>
+              <a:t>즉 </a:t>
+            </a:r>
+            <a:r>
+              <a:rPr lang="en-US" altLang="ko-KR" dirty="0"/>
+              <a:t>1600 </a:t>
+            </a:r>
+            <a:r>
+              <a:rPr lang="ko-KR" altLang="en-US" dirty="0"/>
+              <a:t>을 채울 수 있었으면 좋겠다</a:t>
+            </a:r>
+            <a:r>
+              <a:rPr lang="en-US" altLang="ko-KR" dirty="0"/>
+              <a:t>. = 1000</a:t>
+            </a:r>
+            <a:r>
+              <a:rPr lang="ko-KR" altLang="en-US" dirty="0"/>
+              <a:t>인 경우 </a:t>
+            </a:r>
+            <a:r>
+              <a:rPr lang="en-US" altLang="ko-KR" dirty="0"/>
+              <a:t>16</a:t>
+            </a:r>
+            <a:r>
+              <a:rPr lang="ko-KR" altLang="en-US" dirty="0"/>
+              <a:t>이 </a:t>
+            </a:r>
+            <a:r>
+              <a:rPr lang="ko-KR" altLang="en-US" dirty="0" err="1"/>
+              <a:t>오름인데</a:t>
+            </a:r>
+            <a:r>
+              <a:rPr lang="ko-KR" altLang="en-US" dirty="0"/>
+              <a:t> 깔끔하게 </a:t>
+            </a:r>
+            <a:r>
+              <a:rPr lang="en-US" altLang="ko-KR" dirty="0"/>
+              <a:t>20</a:t>
+            </a:r>
+            <a:r>
+              <a:rPr lang="ko-KR" altLang="en-US" dirty="0"/>
+              <a:t>으로 해주자</a:t>
+            </a:r>
+            <a:r>
+              <a:rPr lang="en-US" altLang="ko-KR" dirty="0"/>
+              <a:t>.</a:t>
+            </a:r>
+          </a:p>
+          <a:p>
+            <a:pPr marL="285750" indent="-285750">
+              <a:buFontTx/>
+              <a:buChar char="-"/>
+            </a:pPr>
+            <a:r>
+              <a:rPr lang="ko-KR" altLang="en-US" dirty="0"/>
+              <a:t>그럼 기본은</a:t>
+            </a:r>
+            <a:r>
+              <a:rPr lang="en-US" altLang="ko-KR" dirty="0"/>
+              <a:t>? 300</a:t>
+            </a:r>
+            <a:r>
+              <a:rPr lang="ko-KR" altLang="en-US" dirty="0"/>
+              <a:t>인 경우 </a:t>
+            </a:r>
+            <a:r>
+              <a:rPr lang="en-US" altLang="ko-KR" dirty="0"/>
+              <a:t>10.</a:t>
+            </a:r>
+          </a:p>
+          <a:p>
+            <a:pPr marL="285750" indent="-285750">
+              <a:buFontTx/>
+              <a:buChar char="-"/>
+            </a:pPr>
+            <a:r>
+              <a:rPr lang="en-US" altLang="ko-KR" dirty="0"/>
+              <a:t>0 </a:t>
+            </a:r>
+            <a:r>
+              <a:rPr lang="ko-KR" altLang="en-US" dirty="0" err="1"/>
+              <a:t>일때</a:t>
+            </a:r>
+            <a:r>
+              <a:rPr lang="ko-KR" altLang="en-US" dirty="0"/>
+              <a:t> </a:t>
+            </a:r>
+            <a:r>
+              <a:rPr lang="en-US" altLang="ko-KR" dirty="0"/>
+              <a:t>0.1</a:t>
+            </a:r>
+            <a:r>
+              <a:rPr lang="ko-KR" altLang="en-US" dirty="0"/>
+              <a:t>배</a:t>
+            </a:r>
+            <a:r>
+              <a:rPr lang="en-US" altLang="ko-KR" dirty="0"/>
+              <a:t>, 300</a:t>
+            </a:r>
+            <a:r>
+              <a:rPr lang="ko-KR" altLang="en-US" dirty="0"/>
+              <a:t> </a:t>
+            </a:r>
+            <a:r>
+              <a:rPr lang="ko-KR" altLang="en-US" dirty="0" err="1"/>
+              <a:t>일때</a:t>
+            </a:r>
+            <a:r>
+              <a:rPr lang="ko-KR" altLang="en-US" dirty="0"/>
+              <a:t> </a:t>
+            </a:r>
+            <a:r>
+              <a:rPr lang="en-US" altLang="ko-KR" dirty="0"/>
+              <a:t>1</a:t>
+            </a:r>
+            <a:r>
+              <a:rPr lang="ko-KR" altLang="en-US" dirty="0"/>
+              <a:t>배</a:t>
+            </a:r>
+            <a:r>
+              <a:rPr lang="en-US" altLang="ko-KR" dirty="0"/>
+              <a:t>, 1000 </a:t>
+            </a:r>
+            <a:r>
+              <a:rPr lang="ko-KR" altLang="en-US" dirty="0" err="1"/>
+              <a:t>일때</a:t>
+            </a:r>
+            <a:r>
+              <a:rPr lang="ko-KR" altLang="en-US" dirty="0"/>
+              <a:t> </a:t>
+            </a:r>
+            <a:r>
+              <a:rPr lang="en-US" altLang="ko-KR" dirty="0"/>
+              <a:t>2</a:t>
+            </a:r>
+            <a:r>
+              <a:rPr lang="ko-KR" altLang="en-US" dirty="0"/>
+              <a:t>배</a:t>
+            </a:r>
+            <a:r>
+              <a:rPr lang="en-US" altLang="ko-KR" dirty="0"/>
+              <a:t>.</a:t>
             </a:r>
           </a:p>
           <a:p>

--- a/육성.pptx
+++ b/육성.pptx
@@ -268,7 +268,7 @@
           <a:p>
             <a:fld id="{8069FA6A-2A84-40D6-BD33-EFEC6828BE5B}" type="datetimeFigureOut">
               <a:rPr lang="ko-KR" altLang="en-US" smtClean="0"/>
-              <a:t>2024-04-17</a:t>
+              <a:t>2024-08-19</a:t>
             </a:fld>
             <a:endParaRPr lang="ko-KR" altLang="en-US"/>
           </a:p>
@@ -466,7 +466,7 @@
           <a:p>
             <a:fld id="{8069FA6A-2A84-40D6-BD33-EFEC6828BE5B}" type="datetimeFigureOut">
               <a:rPr lang="ko-KR" altLang="en-US" smtClean="0"/>
-              <a:t>2024-04-17</a:t>
+              <a:t>2024-08-19</a:t>
             </a:fld>
             <a:endParaRPr lang="ko-KR" altLang="en-US"/>
           </a:p>
@@ -674,7 +674,7 @@
           <a:p>
             <a:fld id="{8069FA6A-2A84-40D6-BD33-EFEC6828BE5B}" type="datetimeFigureOut">
               <a:rPr lang="ko-KR" altLang="en-US" smtClean="0"/>
-              <a:t>2024-04-17</a:t>
+              <a:t>2024-08-19</a:t>
             </a:fld>
             <a:endParaRPr lang="ko-KR" altLang="en-US"/>
           </a:p>
@@ -872,7 +872,7 @@
           <a:p>
             <a:fld id="{8069FA6A-2A84-40D6-BD33-EFEC6828BE5B}" type="datetimeFigureOut">
               <a:rPr lang="ko-KR" altLang="en-US" smtClean="0"/>
-              <a:t>2024-04-17</a:t>
+              <a:t>2024-08-19</a:t>
             </a:fld>
             <a:endParaRPr lang="ko-KR" altLang="en-US"/>
           </a:p>
@@ -1147,7 +1147,7 @@
           <a:p>
             <a:fld id="{8069FA6A-2A84-40D6-BD33-EFEC6828BE5B}" type="datetimeFigureOut">
               <a:rPr lang="ko-KR" altLang="en-US" smtClean="0"/>
-              <a:t>2024-04-17</a:t>
+              <a:t>2024-08-19</a:t>
             </a:fld>
             <a:endParaRPr lang="ko-KR" altLang="en-US"/>
           </a:p>
@@ -1412,7 +1412,7 @@
           <a:p>
             <a:fld id="{8069FA6A-2A84-40D6-BD33-EFEC6828BE5B}" type="datetimeFigureOut">
               <a:rPr lang="ko-KR" altLang="en-US" smtClean="0"/>
-              <a:t>2024-04-17</a:t>
+              <a:t>2024-08-19</a:t>
             </a:fld>
             <a:endParaRPr lang="ko-KR" altLang="en-US"/>
           </a:p>
@@ -1824,7 +1824,7 @@
           <a:p>
             <a:fld id="{8069FA6A-2A84-40D6-BD33-EFEC6828BE5B}" type="datetimeFigureOut">
               <a:rPr lang="ko-KR" altLang="en-US" smtClean="0"/>
-              <a:t>2024-04-17</a:t>
+              <a:t>2024-08-19</a:t>
             </a:fld>
             <a:endParaRPr lang="ko-KR" altLang="en-US"/>
           </a:p>
@@ -1965,7 +1965,7 @@
           <a:p>
             <a:fld id="{8069FA6A-2A84-40D6-BD33-EFEC6828BE5B}" type="datetimeFigureOut">
               <a:rPr lang="ko-KR" altLang="en-US" smtClean="0"/>
-              <a:t>2024-04-17</a:t>
+              <a:t>2024-08-19</a:t>
             </a:fld>
             <a:endParaRPr lang="ko-KR" altLang="en-US"/>
           </a:p>
@@ -2078,7 +2078,7 @@
           <a:p>
             <a:fld id="{8069FA6A-2A84-40D6-BD33-EFEC6828BE5B}" type="datetimeFigureOut">
               <a:rPr lang="ko-KR" altLang="en-US" smtClean="0"/>
-              <a:t>2024-04-17</a:t>
+              <a:t>2024-08-19</a:t>
             </a:fld>
             <a:endParaRPr lang="ko-KR" altLang="en-US"/>
           </a:p>
@@ -2389,7 +2389,7 @@
           <a:p>
             <a:fld id="{8069FA6A-2A84-40D6-BD33-EFEC6828BE5B}" type="datetimeFigureOut">
               <a:rPr lang="ko-KR" altLang="en-US" smtClean="0"/>
-              <a:t>2024-04-17</a:t>
+              <a:t>2024-08-19</a:t>
             </a:fld>
             <a:endParaRPr lang="ko-KR" altLang="en-US"/>
           </a:p>
@@ -2677,7 +2677,7 @@
           <a:p>
             <a:fld id="{8069FA6A-2A84-40D6-BD33-EFEC6828BE5B}" type="datetimeFigureOut">
               <a:rPr lang="ko-KR" altLang="en-US" smtClean="0"/>
-              <a:t>2024-04-17</a:t>
+              <a:t>2024-08-19</a:t>
             </a:fld>
             <a:endParaRPr lang="ko-KR" altLang="en-US"/>
           </a:p>
@@ -2918,7 +2918,7 @@
           <a:p>
             <a:fld id="{8069FA6A-2A84-40D6-BD33-EFEC6828BE5B}" type="datetimeFigureOut">
               <a:rPr lang="ko-KR" altLang="en-US" smtClean="0"/>
-              <a:t>2024-04-17</a:t>
+              <a:t>2024-08-19</a:t>
             </a:fld>
             <a:endParaRPr lang="ko-KR" altLang="en-US"/>
           </a:p>
@@ -4767,7 +4767,7 @@
         <p:spPr>
           <a:xfrm>
             <a:off x="574431" y="1003973"/>
-            <a:ext cx="11055317" cy="4801314"/>
+            <a:ext cx="11055317" cy="5909310"/>
           </a:xfrm>
           <a:prstGeom prst="rect">
             <a:avLst/>
@@ -4917,7 +4917,144 @@
               <a:buFontTx/>
               <a:buChar char="-"/>
             </a:pPr>
-            <a:endParaRPr lang="en-US" altLang="ko-KR" dirty="0"/>
+            <a:r>
+              <a:rPr lang="ko-KR" altLang="en-US" dirty="0"/>
+              <a:t>계산하게 되는 상황은 두가지다</a:t>
+            </a:r>
+            <a:r>
+              <a:rPr lang="en-US" altLang="ko-KR" dirty="0"/>
+              <a:t>. </a:t>
+            </a:r>
+            <a:r>
+              <a:rPr lang="ko-KR" altLang="en-US" dirty="0"/>
+              <a:t>초기 확률이 </a:t>
+            </a:r>
+            <a:r>
+              <a:rPr lang="en-US" altLang="ko-KR" dirty="0"/>
+              <a:t>50</a:t>
+            </a:r>
+            <a:r>
+              <a:rPr lang="ko-KR" altLang="en-US" dirty="0"/>
+              <a:t>프로와 </a:t>
+            </a:r>
+            <a:r>
+              <a:rPr lang="en-US" altLang="ko-KR" dirty="0"/>
+              <a:t>0</a:t>
+            </a:r>
+            <a:r>
+              <a:rPr lang="ko-KR" altLang="en-US" dirty="0"/>
+              <a:t>프로에서 시작하는 경우</a:t>
+            </a:r>
+            <a:endParaRPr lang="en-US" altLang="ko-KR" dirty="0"/>
+          </a:p>
+          <a:p>
+            <a:pPr marL="285750" indent="-285750">
+              <a:buFontTx/>
+              <a:buChar char="-"/>
+            </a:pPr>
+            <a:r>
+              <a:rPr lang="en-US" altLang="ko-KR" dirty="0"/>
+              <a:t>50</a:t>
+            </a:r>
+            <a:r>
+              <a:rPr lang="ko-KR" altLang="en-US" dirty="0"/>
+              <a:t>프로의 경우</a:t>
+            </a:r>
+            <a:r>
+              <a:rPr lang="en-US" altLang="ko-KR" dirty="0"/>
+              <a:t>: 300</a:t>
+            </a:r>
+            <a:r>
+              <a:rPr lang="ko-KR" altLang="en-US" dirty="0"/>
+              <a:t>을 기준으로 아래인 경우 </a:t>
+            </a:r>
+            <a:r>
+              <a:rPr lang="en-US" altLang="ko-KR" dirty="0"/>
+              <a:t>-40</a:t>
+            </a:r>
+            <a:r>
+              <a:rPr lang="ko-KR" altLang="en-US" dirty="0"/>
+              <a:t>까지</a:t>
+            </a:r>
+            <a:r>
+              <a:rPr lang="en-US" altLang="ko-KR" dirty="0"/>
+              <a:t>, </a:t>
+            </a:r>
+            <a:r>
+              <a:rPr lang="ko-KR" altLang="en-US" dirty="0"/>
+              <a:t>위인 경우 </a:t>
+            </a:r>
+            <a:r>
+              <a:rPr lang="en-US" altLang="ko-KR" dirty="0"/>
+              <a:t>+30%</a:t>
+            </a:r>
+            <a:r>
+              <a:rPr lang="ko-KR" altLang="en-US" dirty="0"/>
+              <a:t>까지 보정</a:t>
+            </a:r>
+            <a:r>
+              <a:rPr lang="en-US" altLang="ko-KR" dirty="0"/>
+              <a:t>(</a:t>
+            </a:r>
+            <a:r>
+              <a:rPr lang="ko-KR" altLang="en-US" dirty="0"/>
+              <a:t>기준이 </a:t>
+            </a:r>
+            <a:r>
+              <a:rPr lang="en-US" altLang="ko-KR" dirty="0"/>
+              <a:t>300</a:t>
+            </a:r>
+            <a:r>
+              <a:rPr lang="ko-KR" altLang="en-US" dirty="0"/>
+              <a:t>으로 낮기 때문에 명상 수치가 낮은 경우의 벌칙을 늘렸다</a:t>
+            </a:r>
+            <a:r>
+              <a:rPr lang="en-US" altLang="ko-KR"/>
+              <a:t>.)</a:t>
+            </a:r>
+            <a:endParaRPr lang="en-US" altLang="ko-KR" dirty="0"/>
+          </a:p>
+          <a:p>
+            <a:pPr marL="285750" indent="-285750">
+              <a:buFontTx/>
+              <a:buChar char="-"/>
+            </a:pPr>
+            <a:r>
+              <a:rPr lang="en-US" altLang="ko-KR" dirty="0"/>
+              <a:t>0</a:t>
+            </a:r>
+            <a:r>
+              <a:rPr lang="ko-KR" altLang="en-US" dirty="0"/>
+              <a:t>프로의 경우</a:t>
+            </a:r>
+            <a:r>
+              <a:rPr lang="en-US" altLang="ko-KR" dirty="0"/>
+              <a:t>: 300</a:t>
+            </a:r>
+            <a:r>
+              <a:rPr lang="ko-KR" altLang="en-US" dirty="0"/>
+              <a:t>을 기준으로 아래인 경우 </a:t>
+            </a:r>
+            <a:r>
+              <a:rPr lang="en-US" altLang="ko-KR" dirty="0"/>
+              <a:t>5 ~ 20%, </a:t>
+            </a:r>
+            <a:r>
+              <a:rPr lang="ko-KR" altLang="en-US" dirty="0"/>
+              <a:t>위인 경우 </a:t>
+            </a:r>
+            <a:r>
+              <a:rPr lang="en-US" altLang="ko-KR" dirty="0"/>
+              <a:t>20~50%.(</a:t>
+            </a:r>
+            <a:r>
+              <a:rPr lang="ko-KR" altLang="en-US" dirty="0"/>
+              <a:t>이건 진행에 따라 수치 보강 예정</a:t>
+            </a:r>
+            <a:r>
+              <a:rPr lang="en-US" altLang="ko-KR" dirty="0"/>
+              <a:t>.)</a:t>
+            </a:r>
           </a:p>
           <a:p>
             <a:pPr marL="285750" indent="-285750">

--- a/육성.pptx
+++ b/육성.pptx
@@ -268,7 +268,7 @@
           <a:p>
             <a:fld id="{8069FA6A-2A84-40D6-BD33-EFEC6828BE5B}" type="datetimeFigureOut">
               <a:rPr lang="ko-KR" altLang="en-US" smtClean="0"/>
-              <a:t>2024-07-12</a:t>
+              <a:t>2024-08-31</a:t>
             </a:fld>
             <a:endParaRPr lang="ko-KR" altLang="en-US"/>
           </a:p>
@@ -466,7 +466,7 @@
           <a:p>
             <a:fld id="{8069FA6A-2A84-40D6-BD33-EFEC6828BE5B}" type="datetimeFigureOut">
               <a:rPr lang="ko-KR" altLang="en-US" smtClean="0"/>
-              <a:t>2024-07-12</a:t>
+              <a:t>2024-08-31</a:t>
             </a:fld>
             <a:endParaRPr lang="ko-KR" altLang="en-US"/>
           </a:p>
@@ -674,7 +674,7 @@
           <a:p>
             <a:fld id="{8069FA6A-2A84-40D6-BD33-EFEC6828BE5B}" type="datetimeFigureOut">
               <a:rPr lang="ko-KR" altLang="en-US" smtClean="0"/>
-              <a:t>2024-07-12</a:t>
+              <a:t>2024-08-31</a:t>
             </a:fld>
             <a:endParaRPr lang="ko-KR" altLang="en-US"/>
           </a:p>
@@ -872,7 +872,7 @@
           <a:p>
             <a:fld id="{8069FA6A-2A84-40D6-BD33-EFEC6828BE5B}" type="datetimeFigureOut">
               <a:rPr lang="ko-KR" altLang="en-US" smtClean="0"/>
-              <a:t>2024-07-12</a:t>
+              <a:t>2024-08-31</a:t>
             </a:fld>
             <a:endParaRPr lang="ko-KR" altLang="en-US"/>
           </a:p>
@@ -1147,7 +1147,7 @@
           <a:p>
             <a:fld id="{8069FA6A-2A84-40D6-BD33-EFEC6828BE5B}" type="datetimeFigureOut">
               <a:rPr lang="ko-KR" altLang="en-US" smtClean="0"/>
-              <a:t>2024-07-12</a:t>
+              <a:t>2024-08-31</a:t>
             </a:fld>
             <a:endParaRPr lang="ko-KR" altLang="en-US"/>
           </a:p>
@@ -1412,7 +1412,7 @@
           <a:p>
             <a:fld id="{8069FA6A-2A84-40D6-BD33-EFEC6828BE5B}" type="datetimeFigureOut">
               <a:rPr lang="ko-KR" altLang="en-US" smtClean="0"/>
-              <a:t>2024-07-12</a:t>
+              <a:t>2024-08-31</a:t>
             </a:fld>
             <a:endParaRPr lang="ko-KR" altLang="en-US"/>
           </a:p>
@@ -1824,7 +1824,7 @@
           <a:p>
             <a:fld id="{8069FA6A-2A84-40D6-BD33-EFEC6828BE5B}" type="datetimeFigureOut">
               <a:rPr lang="ko-KR" altLang="en-US" smtClean="0"/>
-              <a:t>2024-07-12</a:t>
+              <a:t>2024-08-31</a:t>
             </a:fld>
             <a:endParaRPr lang="ko-KR" altLang="en-US"/>
           </a:p>
@@ -1965,7 +1965,7 @@
           <a:p>
             <a:fld id="{8069FA6A-2A84-40D6-BD33-EFEC6828BE5B}" type="datetimeFigureOut">
               <a:rPr lang="ko-KR" altLang="en-US" smtClean="0"/>
-              <a:t>2024-07-12</a:t>
+              <a:t>2024-08-31</a:t>
             </a:fld>
             <a:endParaRPr lang="ko-KR" altLang="en-US"/>
           </a:p>
@@ -2078,7 +2078,7 @@
           <a:p>
             <a:fld id="{8069FA6A-2A84-40D6-BD33-EFEC6828BE5B}" type="datetimeFigureOut">
               <a:rPr lang="ko-KR" altLang="en-US" smtClean="0"/>
-              <a:t>2024-07-12</a:t>
+              <a:t>2024-08-31</a:t>
             </a:fld>
             <a:endParaRPr lang="ko-KR" altLang="en-US"/>
           </a:p>
@@ -2389,7 +2389,7 @@
           <a:p>
             <a:fld id="{8069FA6A-2A84-40D6-BD33-EFEC6828BE5B}" type="datetimeFigureOut">
               <a:rPr lang="ko-KR" altLang="en-US" smtClean="0"/>
-              <a:t>2024-07-12</a:t>
+              <a:t>2024-08-31</a:t>
             </a:fld>
             <a:endParaRPr lang="ko-KR" altLang="en-US"/>
           </a:p>
@@ -2677,7 +2677,7 @@
           <a:p>
             <a:fld id="{8069FA6A-2A84-40D6-BD33-EFEC6828BE5B}" type="datetimeFigureOut">
               <a:rPr lang="ko-KR" altLang="en-US" smtClean="0"/>
-              <a:t>2024-07-12</a:t>
+              <a:t>2024-08-31</a:t>
             </a:fld>
             <a:endParaRPr lang="ko-KR" altLang="en-US"/>
           </a:p>
@@ -2918,7 +2918,7 @@
           <a:p>
             <a:fld id="{8069FA6A-2A84-40D6-BD33-EFEC6828BE5B}" type="datetimeFigureOut">
               <a:rPr lang="ko-KR" altLang="en-US" smtClean="0"/>
-              <a:t>2024-07-12</a:t>
+              <a:t>2024-08-31</a:t>
             </a:fld>
             <a:endParaRPr lang="ko-KR" altLang="en-US"/>
           </a:p>
@@ -4955,7 +4955,7 @@
         <p:spPr>
           <a:xfrm>
             <a:off x="574431" y="1003973"/>
-            <a:ext cx="11055317" cy="4801314"/>
+            <a:ext cx="11055317" cy="5632311"/>
           </a:xfrm>
           <a:prstGeom prst="rect">
             <a:avLst/>
@@ -5105,7 +5105,143 @@
               <a:buFontTx/>
               <a:buChar char="-"/>
             </a:pPr>
-            <a:endParaRPr lang="en-US" altLang="ko-KR" dirty="0"/>
+            <a:r>
+              <a:rPr lang="ko-KR" altLang="en-US" dirty="0"/>
+              <a:t>계산하게 되는 상황은 두가지다</a:t>
+            </a:r>
+            <a:r>
+              <a:rPr lang="en-US" altLang="ko-KR" dirty="0"/>
+              <a:t>. </a:t>
+            </a:r>
+            <a:r>
+              <a:rPr lang="ko-KR" altLang="en-US" dirty="0"/>
+              <a:t>초기 확률이 </a:t>
+            </a:r>
+            <a:r>
+              <a:rPr lang="en-US" altLang="ko-KR" dirty="0"/>
+              <a:t>50</a:t>
+            </a:r>
+            <a:r>
+              <a:rPr lang="ko-KR" altLang="en-US" dirty="0"/>
+              <a:t>프로와 </a:t>
+            </a:r>
+            <a:r>
+              <a:rPr lang="en-US" altLang="ko-KR" dirty="0"/>
+              <a:t>0</a:t>
+            </a:r>
+            <a:r>
+              <a:rPr lang="ko-KR" altLang="en-US" dirty="0"/>
+              <a:t>프로에서 시작하는 경우</a:t>
+            </a:r>
+            <a:endParaRPr lang="en-US" altLang="ko-KR" dirty="0"/>
+          </a:p>
+          <a:p>
+            <a:pPr marL="285750" indent="-285750">
+              <a:buFontTx/>
+              <a:buChar char="-"/>
+            </a:pPr>
+            <a:r>
+              <a:rPr lang="en-US" altLang="ko-KR" dirty="0"/>
+              <a:t>50</a:t>
+            </a:r>
+            <a:r>
+              <a:rPr lang="ko-KR" altLang="en-US" dirty="0"/>
+              <a:t>프로의 경우</a:t>
+            </a:r>
+            <a:r>
+              <a:rPr lang="en-US" altLang="ko-KR" dirty="0"/>
+              <a:t>: 300</a:t>
+            </a:r>
+            <a:r>
+              <a:rPr lang="ko-KR" altLang="en-US" dirty="0"/>
+              <a:t>을 기준으로 아래 </a:t>
+            </a:r>
+            <a:r>
+              <a:rPr lang="en-US" altLang="ko-KR" dirty="0"/>
+              <a:t>-40</a:t>
+            </a:r>
+            <a:r>
+              <a:rPr lang="ko-KR" altLang="en-US" dirty="0"/>
+              <a:t>까지</a:t>
+            </a:r>
+            <a:r>
+              <a:rPr lang="en-US" altLang="ko-KR" dirty="0"/>
+              <a:t>, </a:t>
+            </a:r>
+            <a:r>
+              <a:rPr lang="ko-KR" altLang="en-US" dirty="0"/>
+              <a:t>위 </a:t>
+            </a:r>
+            <a:r>
+              <a:rPr lang="en-US" altLang="ko-KR" dirty="0"/>
+              <a:t>+30%</a:t>
+            </a:r>
+            <a:r>
+              <a:rPr lang="ko-KR" altLang="en-US" dirty="0"/>
+              <a:t>까지 보정</a:t>
+            </a:r>
+            <a:r>
+              <a:rPr lang="en-US" altLang="ko-KR" dirty="0"/>
+              <a:t>(</a:t>
+            </a:r>
+            <a:r>
+              <a:rPr lang="ko-KR" altLang="en-US" dirty="0"/>
+              <a:t>기준이 </a:t>
+            </a:r>
+            <a:r>
+              <a:rPr lang="en-US" altLang="ko-KR" dirty="0"/>
+              <a:t>300</a:t>
+            </a:r>
+            <a:r>
+              <a:rPr lang="ko-KR" altLang="en-US" dirty="0"/>
+              <a:t>으로 낮기 때문에 명상 수치가 낮은 경우의 벌칙 강화</a:t>
+            </a:r>
+            <a:r>
+              <a:rPr lang="en-US" altLang="ko-KR" dirty="0"/>
+              <a:t>)</a:t>
+            </a:r>
+          </a:p>
+          <a:p>
+            <a:pPr marL="285750" indent="-285750">
+              <a:buFontTx/>
+              <a:buChar char="-"/>
+            </a:pPr>
+            <a:r>
+              <a:rPr lang="en-US" altLang="ko-KR" dirty="0"/>
+              <a:t>0</a:t>
+            </a:r>
+            <a:r>
+              <a:rPr lang="ko-KR" altLang="en-US" dirty="0"/>
+              <a:t>프로의 경우</a:t>
+            </a:r>
+            <a:r>
+              <a:rPr lang="en-US" altLang="ko-KR" dirty="0"/>
+              <a:t>: 300</a:t>
+            </a:r>
+            <a:r>
+              <a:rPr lang="ko-KR" altLang="en-US" dirty="0"/>
+              <a:t>을 기준으로 아래인 경우 </a:t>
+            </a:r>
+            <a:r>
+              <a:rPr lang="en-US" altLang="ko-KR" dirty="0"/>
+              <a:t>5~20%, </a:t>
+            </a:r>
+            <a:r>
+              <a:rPr lang="ko-KR" altLang="en-US" dirty="0"/>
+              <a:t>위 </a:t>
+            </a:r>
+            <a:r>
+              <a:rPr lang="en-US" altLang="ko-KR" dirty="0"/>
+              <a:t>20~50%(</a:t>
+            </a:r>
+            <a:r>
+              <a:rPr lang="ko-KR" altLang="en-US" dirty="0"/>
+              <a:t>이건 진행에 따라 수치 보강</a:t>
+            </a:r>
+            <a:r>
+              <a:rPr lang="en-US" altLang="ko-KR" dirty="0"/>
+              <a:t>)</a:t>
+            </a:r>
           </a:p>
           <a:p>
             <a:pPr marL="285750" indent="-285750">

--- a/육성.pptx
+++ b/육성.pptx
@@ -268,7 +268,7 @@
           <a:p>
             <a:fld id="{8069FA6A-2A84-40D6-BD33-EFEC6828BE5B}" type="datetimeFigureOut">
               <a:rPr lang="ko-KR" altLang="en-US" smtClean="0"/>
-              <a:t>2024-08-19</a:t>
+              <a:t>2024-09-06</a:t>
             </a:fld>
             <a:endParaRPr lang="ko-KR" altLang="en-US"/>
           </a:p>
@@ -466,7 +466,7 @@
           <a:p>
             <a:fld id="{8069FA6A-2A84-40D6-BD33-EFEC6828BE5B}" type="datetimeFigureOut">
               <a:rPr lang="ko-KR" altLang="en-US" smtClean="0"/>
-              <a:t>2024-08-19</a:t>
+              <a:t>2024-09-06</a:t>
             </a:fld>
             <a:endParaRPr lang="ko-KR" altLang="en-US"/>
           </a:p>
@@ -674,7 +674,7 @@
           <a:p>
             <a:fld id="{8069FA6A-2A84-40D6-BD33-EFEC6828BE5B}" type="datetimeFigureOut">
               <a:rPr lang="ko-KR" altLang="en-US" smtClean="0"/>
-              <a:t>2024-08-19</a:t>
+              <a:t>2024-09-06</a:t>
             </a:fld>
             <a:endParaRPr lang="ko-KR" altLang="en-US"/>
           </a:p>
@@ -872,7 +872,7 @@
           <a:p>
             <a:fld id="{8069FA6A-2A84-40D6-BD33-EFEC6828BE5B}" type="datetimeFigureOut">
               <a:rPr lang="ko-KR" altLang="en-US" smtClean="0"/>
-              <a:t>2024-08-19</a:t>
+              <a:t>2024-09-06</a:t>
             </a:fld>
             <a:endParaRPr lang="ko-KR" altLang="en-US"/>
           </a:p>
@@ -1147,7 +1147,7 @@
           <a:p>
             <a:fld id="{8069FA6A-2A84-40D6-BD33-EFEC6828BE5B}" type="datetimeFigureOut">
               <a:rPr lang="ko-KR" altLang="en-US" smtClean="0"/>
-              <a:t>2024-08-19</a:t>
+              <a:t>2024-09-06</a:t>
             </a:fld>
             <a:endParaRPr lang="ko-KR" altLang="en-US"/>
           </a:p>
@@ -1412,7 +1412,7 @@
           <a:p>
             <a:fld id="{8069FA6A-2A84-40D6-BD33-EFEC6828BE5B}" type="datetimeFigureOut">
               <a:rPr lang="ko-KR" altLang="en-US" smtClean="0"/>
-              <a:t>2024-08-19</a:t>
+              <a:t>2024-09-06</a:t>
             </a:fld>
             <a:endParaRPr lang="ko-KR" altLang="en-US"/>
           </a:p>
@@ -1824,7 +1824,7 @@
           <a:p>
             <a:fld id="{8069FA6A-2A84-40D6-BD33-EFEC6828BE5B}" type="datetimeFigureOut">
               <a:rPr lang="ko-KR" altLang="en-US" smtClean="0"/>
-              <a:t>2024-08-19</a:t>
+              <a:t>2024-09-06</a:t>
             </a:fld>
             <a:endParaRPr lang="ko-KR" altLang="en-US"/>
           </a:p>
@@ -1965,7 +1965,7 @@
           <a:p>
             <a:fld id="{8069FA6A-2A84-40D6-BD33-EFEC6828BE5B}" type="datetimeFigureOut">
               <a:rPr lang="ko-KR" altLang="en-US" smtClean="0"/>
-              <a:t>2024-08-19</a:t>
+              <a:t>2024-09-06</a:t>
             </a:fld>
             <a:endParaRPr lang="ko-KR" altLang="en-US"/>
           </a:p>
@@ -2078,7 +2078,7 @@
           <a:p>
             <a:fld id="{8069FA6A-2A84-40D6-BD33-EFEC6828BE5B}" type="datetimeFigureOut">
               <a:rPr lang="ko-KR" altLang="en-US" smtClean="0"/>
-              <a:t>2024-08-19</a:t>
+              <a:t>2024-09-06</a:t>
             </a:fld>
             <a:endParaRPr lang="ko-KR" altLang="en-US"/>
           </a:p>
@@ -2389,7 +2389,7 @@
           <a:p>
             <a:fld id="{8069FA6A-2A84-40D6-BD33-EFEC6828BE5B}" type="datetimeFigureOut">
               <a:rPr lang="ko-KR" altLang="en-US" smtClean="0"/>
-              <a:t>2024-08-19</a:t>
+              <a:t>2024-09-06</a:t>
             </a:fld>
             <a:endParaRPr lang="ko-KR" altLang="en-US"/>
           </a:p>
@@ -2677,7 +2677,7 @@
           <a:p>
             <a:fld id="{8069FA6A-2A84-40D6-BD33-EFEC6828BE5B}" type="datetimeFigureOut">
               <a:rPr lang="ko-KR" altLang="en-US" smtClean="0"/>
-              <a:t>2024-08-19</a:t>
+              <a:t>2024-09-06</a:t>
             </a:fld>
             <a:endParaRPr lang="ko-KR" altLang="en-US"/>
           </a:p>
@@ -2918,7 +2918,7 @@
           <a:p>
             <a:fld id="{8069FA6A-2A84-40D6-BD33-EFEC6828BE5B}" type="datetimeFigureOut">
               <a:rPr lang="ko-KR" altLang="en-US" smtClean="0"/>
-              <a:t>2024-08-19</a:t>
+              <a:t>2024-09-06</a:t>
             </a:fld>
             <a:endParaRPr lang="ko-KR" altLang="en-US"/>
           </a:p>
@@ -5180,7 +5180,7 @@
         <p:spPr>
           <a:xfrm>
             <a:off x="574431" y="1003973"/>
-            <a:ext cx="11055317" cy="3693319"/>
+            <a:ext cx="11055317" cy="3970318"/>
           </a:xfrm>
           <a:prstGeom prst="rect">
             <a:avLst/>
@@ -5239,6 +5239,28 @@
             <a:r>
               <a:rPr lang="ko-KR" altLang="en-US" dirty="0"/>
               <a:t>동료 획득 확률 증가</a:t>
+            </a:r>
+            <a:r>
+              <a:rPr lang="en-US" altLang="ko-KR" dirty="0"/>
+              <a:t>.</a:t>
+            </a:r>
+          </a:p>
+          <a:p>
+            <a:pPr marL="285750" indent="-285750">
+              <a:buFontTx/>
+              <a:buChar char="-"/>
+            </a:pPr>
+            <a:r>
+              <a:rPr lang="ko-KR" altLang="en-US" dirty="0"/>
+              <a:t>이벤트 중 캐릭터와 대화하는 듯 한 묘사가 있다</a:t>
+            </a:r>
+            <a:r>
+              <a:rPr lang="en-US" altLang="ko-KR" dirty="0"/>
+              <a:t>? </a:t>
+            </a:r>
+            <a:r>
+              <a:rPr lang="ko-KR" altLang="en-US" dirty="0"/>
+              <a:t>전부 얘에 따라서 달라짐</a:t>
             </a:r>
             <a:r>
               <a:rPr lang="en-US" altLang="ko-KR" dirty="0"/>
